--- a/hellow world만들기/별똥별피하기게임/별똥별 피하기 게임.pptx
+++ b/hellow world만들기/별똥별피하기게임/별똥별 피하기 게임.pptx
@@ -5,12 +5,14 @@
     <p:sldMasterId id="2147483648" r:id="rId1"/>
   </p:sldMasterIdLst>
   <p:notesMasterIdLst>
-    <p:notesMasterId r:id="rId5"/>
+    <p:notesMasterId r:id="rId7"/>
   </p:notesMasterIdLst>
   <p:sldIdLst>
     <p:sldId id="258" r:id="rId2"/>
-    <p:sldId id="260" r:id="rId3"/>
-    <p:sldId id="259" r:id="rId4"/>
+    <p:sldId id="261" r:id="rId3"/>
+    <p:sldId id="262" r:id="rId4"/>
+    <p:sldId id="263" r:id="rId5"/>
+    <p:sldId id="259" r:id="rId6"/>
   </p:sldIdLst>
   <p:sldSz cx="9144000" cy="6858000" type="screen4x3"/>
   <p:notesSz cx="6858000" cy="9144000"/>
@@ -3550,10 +3552,30 @@
           <a:lstStyle/>
           <a:p>
             <a:r>
-              <a:rPr lang="ko-KR" altLang="en-US" smtClean="0"/>
-              <a:t>별똥별 피하기 게임</a:t>
-            </a:r>
-            <a:endParaRPr lang="ko-KR" altLang="en-US" dirty="0"/>
+              <a:rPr lang="ko-KR" altLang="en-US" dirty="0" smtClean="0">
+                <a:latin typeface="휴먼모음T" pitchFamily="18" charset="-127"/>
+                <a:ea typeface="휴먼모음T" pitchFamily="18" charset="-127"/>
+              </a:rPr>
+              <a:t>별똥</a:t>
+            </a:r>
+            <a:r>
+              <a:rPr lang="ko-KR" altLang="en-US" dirty="0">
+                <a:latin typeface="휴먼모음T" pitchFamily="18" charset="-127"/>
+                <a:ea typeface="휴먼모음T" pitchFamily="18" charset="-127"/>
+              </a:rPr>
+              <a:t>별</a:t>
+            </a:r>
+            <a:r>
+              <a:rPr lang="ko-KR" altLang="en-US" dirty="0" smtClean="0">
+                <a:latin typeface="휴먼모음T" pitchFamily="18" charset="-127"/>
+                <a:ea typeface="휴먼모음T" pitchFamily="18" charset="-127"/>
+              </a:rPr>
+              <a:t> 피하기 게임</a:t>
+            </a:r>
+            <a:endParaRPr lang="ko-KR" altLang="en-US" dirty="0">
+              <a:latin typeface="휴먼모음T" pitchFamily="18" charset="-127"/>
+              <a:ea typeface="휴먼모음T" pitchFamily="18" charset="-127"/>
+            </a:endParaRPr>
           </a:p>
         </p:txBody>
       </p:sp>
@@ -3567,25 +3589,38 @@
             <p:ph idx="1"/>
           </p:nvPr>
         </p:nvSpPr>
-        <p:spPr/>
-        <p:txBody>
-          <a:bodyPr/>
+        <p:spPr>
+          <a:xfrm>
+            <a:off x="457200" y="2852936"/>
+            <a:ext cx="8229600" cy="1440160"/>
+          </a:xfrm>
+        </p:spPr>
+        <p:txBody>
+          <a:bodyPr>
+            <a:normAutofit fontScale="92500"/>
+          </a:bodyPr>
           <a:lstStyle/>
           <a:p>
             <a:pPr marL="0" indent="0">
               <a:buNone/>
             </a:pPr>
             <a:r>
-              <a:rPr lang="ko-KR" altLang="en-US" smtClean="0"/>
-              <a:t>속도와 별의 개수가 변화되는 떨어지는 별을 캐릭터가 좌우 방향으로 피하는 게임</a:t>
-            </a:r>
-            <a:endParaRPr lang="en-US" altLang="ko-KR" smtClean="0"/>
+              <a:rPr lang="ko-KR" altLang="en-US" sz="4000" b="1" dirty="0" smtClean="0">
+                <a:latin typeface="HY신명조" pitchFamily="18" charset="-127"/>
+                <a:ea typeface="HY신명조" pitchFamily="18" charset="-127"/>
+              </a:rPr>
+              <a:t>속도와 별의 개수가 변화되어 떨어지는 별을 캐릭터가 좌우로 피하는 게임</a:t>
+            </a:r>
+            <a:endParaRPr lang="en-US" altLang="ko-KR" sz="4000" b="1" dirty="0" smtClean="0">
+              <a:latin typeface="HY신명조" pitchFamily="18" charset="-127"/>
+              <a:ea typeface="HY신명조" pitchFamily="18" charset="-127"/>
+            </a:endParaRPr>
           </a:p>
           <a:p>
             <a:pPr marL="0" indent="0">
               <a:buNone/>
             </a:pPr>
-            <a:endParaRPr lang="ko-KR" altLang="en-US" dirty="0"/>
+            <a:endParaRPr lang="ko-KR" altLang="en-US" sz="4000" b="1" dirty="0"/>
           </a:p>
         </p:txBody>
       </p:sp>
@@ -3636,42 +3671,499 @@
             <p:ph type="title"/>
           </p:nvPr>
         </p:nvSpPr>
-        <p:spPr/>
-        <p:txBody>
-          <a:bodyPr/>
+        <p:spPr>
+          <a:xfrm>
+            <a:off x="457200" y="273050"/>
+            <a:ext cx="3008313" cy="419646"/>
+          </a:xfrm>
+        </p:spPr>
+        <p:txBody>
+          <a:bodyPr>
+            <a:normAutofit/>
+          </a:bodyPr>
           <a:lstStyle/>
           <a:p>
-            <a:r>
-              <a:rPr lang="ko-KR" altLang="en-US" dirty="0" smtClean="0"/>
+            <a:pPr algn="ctr"/>
+            <a:r>
+              <a:rPr lang="ko-KR" altLang="en-US" dirty="0">
+                <a:latin typeface="휴먼모음T" pitchFamily="18" charset="-127"/>
+                <a:ea typeface="휴먼모음T" pitchFamily="18" charset="-127"/>
+              </a:rPr>
               <a:t>게임 기획내용</a:t>
             </a:r>
-            <a:endParaRPr lang="ko-KR" altLang="en-US" dirty="0"/>
-          </a:p>
-        </p:txBody>
-      </p:sp>
-      <p:sp>
-        <p:nvSpPr>
-          <p:cNvPr id="3" name="내용 개체 틀 2"/>
-          <p:cNvSpPr>
-            <a:spLocks noGrp="1"/>
-          </p:cNvSpPr>
+          </a:p>
+        </p:txBody>
+      </p:sp>
+      <p:pic>
+        <p:nvPicPr>
+          <p:cNvPr id="5" name="내용 개체 틀 4"/>
+          <p:cNvPicPr>
+            <a:picLocks noGrp="1" noChangeAspect="1"/>
+          </p:cNvPicPr>
           <p:nvPr>
             <p:ph idx="1"/>
           </p:nvPr>
-        </p:nvSpPr>
-        <p:spPr/>
-        <p:txBody>
-          <a:bodyPr/>
+        </p:nvPicPr>
+        <p:blipFill>
+          <a:blip r:embed="rId2">
+            <a:extLst>
+              <a:ext uri="{28A0092B-C50C-407E-A947-70E740481C1C}">
+                <a14:useLocalDpi xmlns:a14="http://schemas.microsoft.com/office/drawing/2010/main" val="0"/>
+              </a:ext>
+            </a:extLst>
+          </a:blip>
+          <a:stretch>
+            <a:fillRect/>
+          </a:stretch>
+        </p:blipFill>
+        <p:spPr>
+          <a:xfrm>
+            <a:off x="3923928" y="692696"/>
+            <a:ext cx="5040560" cy="5472608"/>
+          </a:xfrm>
+        </p:spPr>
+      </p:pic>
+      <p:sp>
+        <p:nvSpPr>
+          <p:cNvPr id="7" name="TextBox 6"/>
+          <p:cNvSpPr txBox="1"/>
+          <p:nvPr/>
+        </p:nvSpPr>
+        <p:spPr>
+          <a:xfrm>
+            <a:off x="251520" y="764704"/>
+            <a:ext cx="2088232" cy="369332"/>
+          </a:xfrm>
+          <a:prstGeom prst="rect">
+            <a:avLst/>
+          </a:prstGeom>
+          <a:noFill/>
+        </p:spPr>
+        <p:txBody>
+          <a:bodyPr wrap="square" rtlCol="0">
+            <a:spAutoFit/>
+          </a:bodyPr>
           <a:lstStyle/>
           <a:p>
-            <a:endParaRPr lang="ko-KR" altLang="en-US" dirty="0"/>
+            <a:r>
+              <a:rPr lang="ko-KR" altLang="en-US" b="1" dirty="0" smtClean="0">
+                <a:latin typeface="휴먼모음T" pitchFamily="18" charset="-127"/>
+                <a:ea typeface="휴먼모음T" pitchFamily="18" charset="-127"/>
+              </a:rPr>
+              <a:t>게임 난이도 표시</a:t>
+            </a:r>
+            <a:endParaRPr lang="ko-KR" altLang="en-US" b="1" dirty="0">
+              <a:latin typeface="휴먼모음T" pitchFamily="18" charset="-127"/>
+              <a:ea typeface="휴먼모음T" pitchFamily="18" charset="-127"/>
+            </a:endParaRPr>
+          </a:p>
+        </p:txBody>
+      </p:sp>
+      <p:cxnSp>
+        <p:nvCxnSpPr>
+          <p:cNvPr id="11" name="꺾인 연결선 10"/>
+          <p:cNvCxnSpPr/>
+          <p:nvPr/>
+        </p:nvCxnSpPr>
+        <p:spPr>
+          <a:xfrm flipV="1">
+            <a:off x="2195736" y="764704"/>
+            <a:ext cx="1584176" cy="180000"/>
+          </a:xfrm>
+          <a:prstGeom prst="bentConnector3">
+            <a:avLst/>
+          </a:prstGeom>
+          <a:ln cmpd="sng">
+            <a:solidFill>
+              <a:srgbClr val="FF0000"/>
+            </a:solidFill>
+            <a:tailEnd type="arrow"/>
+          </a:ln>
+        </p:spPr>
+        <p:style>
+          <a:lnRef idx="1">
+            <a:schemeClr val="accent1"/>
+          </a:lnRef>
+          <a:fillRef idx="0">
+            <a:schemeClr val="accent1"/>
+          </a:fillRef>
+          <a:effectRef idx="0">
+            <a:schemeClr val="accent1"/>
+          </a:effectRef>
+          <a:fontRef idx="minor">
+            <a:schemeClr val="tx1"/>
+          </a:fontRef>
+        </p:style>
+      </p:cxnSp>
+      <p:cxnSp>
+        <p:nvCxnSpPr>
+          <p:cNvPr id="15" name="꺾인 연결선 14"/>
+          <p:cNvCxnSpPr/>
+          <p:nvPr/>
+        </p:nvCxnSpPr>
+        <p:spPr>
+          <a:xfrm flipV="1">
+            <a:off x="3347864" y="1052736"/>
+            <a:ext cx="1872208" cy="391398"/>
+          </a:xfrm>
+          <a:prstGeom prst="bentConnector3">
+            <a:avLst/>
+          </a:prstGeom>
+          <a:ln>
+            <a:solidFill>
+              <a:srgbClr val="FF0000"/>
+            </a:solidFill>
+            <a:tailEnd type="arrow"/>
+          </a:ln>
+        </p:spPr>
+        <p:style>
+          <a:lnRef idx="1">
+            <a:schemeClr val="accent1"/>
+          </a:lnRef>
+          <a:fillRef idx="0">
+            <a:schemeClr val="accent1"/>
+          </a:fillRef>
+          <a:effectRef idx="0">
+            <a:schemeClr val="accent1"/>
+          </a:effectRef>
+          <a:fontRef idx="minor">
+            <a:schemeClr val="tx1"/>
+          </a:fontRef>
+        </p:style>
+      </p:cxnSp>
+      <p:sp>
+        <p:nvSpPr>
+          <p:cNvPr id="16" name="TextBox 15"/>
+          <p:cNvSpPr txBox="1"/>
+          <p:nvPr/>
+        </p:nvSpPr>
+        <p:spPr>
+          <a:xfrm>
+            <a:off x="827584" y="1248435"/>
+            <a:ext cx="2520280" cy="3139321"/>
+          </a:xfrm>
+          <a:prstGeom prst="rect">
+            <a:avLst/>
+          </a:prstGeom>
+          <a:noFill/>
+        </p:spPr>
+        <p:txBody>
+          <a:bodyPr wrap="square" rtlCol="0">
+            <a:spAutoFit/>
+          </a:bodyPr>
+          <a:lstStyle/>
+          <a:p>
+            <a:r>
+              <a:rPr lang="en-US" altLang="ko-KR" b="1" dirty="0" smtClean="0">
+                <a:latin typeface="HY신명조" pitchFamily="18" charset="-127"/>
+                <a:ea typeface="HY신명조" pitchFamily="18" charset="-127"/>
+              </a:rPr>
+              <a:t>1.</a:t>
+            </a:r>
+            <a:r>
+              <a:rPr lang="ko-KR" altLang="en-US" b="1" dirty="0" smtClean="0">
+                <a:latin typeface="HY신명조" pitchFamily="18" charset="-127"/>
+                <a:ea typeface="HY신명조" pitchFamily="18" charset="-127"/>
+              </a:rPr>
+              <a:t>별똥별이 위에서부터 만들어져서 떨어짐</a:t>
+            </a:r>
+            <a:endParaRPr lang="en-US" altLang="ko-KR" b="1" dirty="0" smtClean="0">
+              <a:latin typeface="HY신명조" pitchFamily="18" charset="-127"/>
+              <a:ea typeface="HY신명조" pitchFamily="18" charset="-127"/>
+            </a:endParaRPr>
+          </a:p>
+          <a:p>
+            <a:r>
+              <a:rPr lang="en-US" altLang="ko-KR" b="1" dirty="0" smtClean="0">
+                <a:latin typeface="HY신명조" pitchFamily="18" charset="-127"/>
+                <a:ea typeface="HY신명조" pitchFamily="18" charset="-127"/>
+              </a:rPr>
+              <a:t>2.</a:t>
+            </a:r>
+            <a:r>
+              <a:rPr lang="ko-KR" altLang="en-US" b="1" dirty="0" smtClean="0">
+                <a:latin typeface="HY신명조" pitchFamily="18" charset="-127"/>
+                <a:ea typeface="HY신명조" pitchFamily="18" charset="-127"/>
+              </a:rPr>
+              <a:t>난이도별 속도와 </a:t>
+            </a:r>
+            <a:r>
+              <a:rPr lang="ko-KR" altLang="en-US" b="1" dirty="0" err="1" smtClean="0">
+                <a:latin typeface="HY신명조" pitchFamily="18" charset="-127"/>
+                <a:ea typeface="HY신명조" pitchFamily="18" charset="-127"/>
+              </a:rPr>
+              <a:t>갯수의</a:t>
+            </a:r>
+            <a:r>
+              <a:rPr lang="ko-KR" altLang="en-US" b="1" dirty="0" smtClean="0">
+                <a:latin typeface="HY신명조" pitchFamily="18" charset="-127"/>
+                <a:ea typeface="HY신명조" pitchFamily="18" charset="-127"/>
+              </a:rPr>
+              <a:t> 차이를 줌</a:t>
+            </a:r>
+            <a:endParaRPr lang="en-US" altLang="ko-KR" b="1" dirty="0" smtClean="0">
+              <a:latin typeface="HY신명조" pitchFamily="18" charset="-127"/>
+              <a:ea typeface="HY신명조" pitchFamily="18" charset="-127"/>
+            </a:endParaRPr>
+          </a:p>
+          <a:p>
+            <a:r>
+              <a:rPr lang="en-US" altLang="ko-KR" b="1" dirty="0" smtClean="0">
+                <a:latin typeface="HY신명조" pitchFamily="18" charset="-127"/>
+                <a:ea typeface="HY신명조" pitchFamily="18" charset="-127"/>
+              </a:rPr>
+              <a:t>Ex) </a:t>
+            </a:r>
+            <a:r>
+              <a:rPr lang="en-US" altLang="ko-KR" b="1" dirty="0">
+                <a:latin typeface="HY신명조" pitchFamily="18" charset="-127"/>
+                <a:ea typeface="HY신명조" pitchFamily="18" charset="-127"/>
+              </a:rPr>
+              <a:t>E</a:t>
+            </a:r>
+            <a:r>
+              <a:rPr lang="en-US" altLang="ko-KR" b="1" dirty="0" smtClean="0">
+                <a:latin typeface="HY신명조" pitchFamily="18" charset="-127"/>
+                <a:ea typeface="HY신명조" pitchFamily="18" charset="-127"/>
+              </a:rPr>
+              <a:t>asy : 2</a:t>
+            </a:r>
+            <a:r>
+              <a:rPr lang="ko-KR" altLang="en-US" b="1" dirty="0" smtClean="0">
+                <a:latin typeface="HY신명조" pitchFamily="18" charset="-127"/>
+                <a:ea typeface="HY신명조" pitchFamily="18" charset="-127"/>
+              </a:rPr>
+              <a:t>초에 </a:t>
+            </a:r>
+            <a:r>
+              <a:rPr lang="ko-KR" altLang="en-US" b="1" dirty="0" err="1" smtClean="0">
+                <a:latin typeface="HY신명조" pitchFamily="18" charset="-127"/>
+                <a:ea typeface="HY신명조" pitchFamily="18" charset="-127"/>
+              </a:rPr>
+              <a:t>한칸씩</a:t>
+            </a:r>
+            <a:r>
+              <a:rPr lang="ko-KR" altLang="en-US" b="1" dirty="0" smtClean="0">
+                <a:latin typeface="HY신명조" pitchFamily="18" charset="-127"/>
+                <a:ea typeface="HY신명조" pitchFamily="18" charset="-127"/>
+              </a:rPr>
+              <a:t> 떨어지며 </a:t>
+            </a:r>
+            <a:r>
+              <a:rPr lang="ko-KR" altLang="en-US" b="1" dirty="0" err="1" smtClean="0">
+                <a:latin typeface="HY신명조" pitchFamily="18" charset="-127"/>
+                <a:ea typeface="HY신명조" pitchFamily="18" charset="-127"/>
+              </a:rPr>
+              <a:t>한줄에</a:t>
+            </a:r>
+            <a:r>
+              <a:rPr lang="ko-KR" altLang="en-US" b="1" dirty="0" smtClean="0">
+                <a:latin typeface="HY신명조" pitchFamily="18" charset="-127"/>
+                <a:ea typeface="HY신명조" pitchFamily="18" charset="-127"/>
+              </a:rPr>
+              <a:t> 별이 </a:t>
+            </a:r>
+            <a:r>
+              <a:rPr lang="en-US" altLang="ko-KR" b="1" dirty="0" smtClean="0">
+                <a:latin typeface="HY신명조" pitchFamily="18" charset="-127"/>
+                <a:ea typeface="HY신명조" pitchFamily="18" charset="-127"/>
+              </a:rPr>
+              <a:t>1~2</a:t>
+            </a:r>
+            <a:r>
+              <a:rPr lang="ko-KR" altLang="en-US" b="1" dirty="0" smtClean="0">
+                <a:latin typeface="HY신명조" pitchFamily="18" charset="-127"/>
+                <a:ea typeface="HY신명조" pitchFamily="18" charset="-127"/>
+              </a:rPr>
+              <a:t>개 생성됨</a:t>
+            </a:r>
+            <a:endParaRPr lang="en-US" altLang="ko-KR" b="1" dirty="0" smtClean="0">
+              <a:latin typeface="HY신명조" pitchFamily="18" charset="-127"/>
+              <a:ea typeface="HY신명조" pitchFamily="18" charset="-127"/>
+            </a:endParaRPr>
+          </a:p>
+          <a:p>
+            <a:r>
+              <a:rPr lang="en-US" altLang="ko-KR" b="1" dirty="0" smtClean="0">
+                <a:latin typeface="HY신명조" pitchFamily="18" charset="-127"/>
+                <a:ea typeface="HY신명조" pitchFamily="18" charset="-127"/>
+              </a:rPr>
+              <a:t>Hell : 0.5</a:t>
+            </a:r>
+            <a:r>
+              <a:rPr lang="ko-KR" altLang="en-US" b="1" dirty="0" smtClean="0">
+                <a:latin typeface="HY신명조" pitchFamily="18" charset="-127"/>
+                <a:ea typeface="HY신명조" pitchFamily="18" charset="-127"/>
+              </a:rPr>
+              <a:t>초</a:t>
+            </a:r>
+            <a:r>
+              <a:rPr lang="ko-KR" altLang="en-US" b="1" dirty="0">
+                <a:latin typeface="HY신명조" pitchFamily="18" charset="-127"/>
+                <a:ea typeface="HY신명조" pitchFamily="18" charset="-127"/>
+              </a:rPr>
+              <a:t>에</a:t>
+            </a:r>
+            <a:r>
+              <a:rPr lang="ko-KR" altLang="en-US" b="1" dirty="0" smtClean="0">
+                <a:latin typeface="HY신명조" pitchFamily="18" charset="-127"/>
+                <a:ea typeface="HY신명조" pitchFamily="18" charset="-127"/>
+              </a:rPr>
+              <a:t> </a:t>
+            </a:r>
+            <a:r>
+              <a:rPr lang="ko-KR" altLang="en-US" b="1" dirty="0" err="1" smtClean="0">
+                <a:latin typeface="HY신명조" pitchFamily="18" charset="-127"/>
+                <a:ea typeface="HY신명조" pitchFamily="18" charset="-127"/>
+              </a:rPr>
+              <a:t>한칸씩</a:t>
+            </a:r>
+            <a:r>
+              <a:rPr lang="ko-KR" altLang="en-US" b="1" dirty="0" smtClean="0">
+                <a:latin typeface="HY신명조" pitchFamily="18" charset="-127"/>
+                <a:ea typeface="HY신명조" pitchFamily="18" charset="-127"/>
+              </a:rPr>
+              <a:t> 떨어지며 </a:t>
+            </a:r>
+            <a:r>
+              <a:rPr lang="ko-KR" altLang="en-US" b="1" dirty="0" err="1" smtClean="0">
+                <a:latin typeface="HY신명조" pitchFamily="18" charset="-127"/>
+                <a:ea typeface="HY신명조" pitchFamily="18" charset="-127"/>
+              </a:rPr>
+              <a:t>한줄에</a:t>
+            </a:r>
+            <a:r>
+              <a:rPr lang="ko-KR" altLang="en-US" b="1" dirty="0" smtClean="0">
+                <a:latin typeface="HY신명조" pitchFamily="18" charset="-127"/>
+                <a:ea typeface="HY신명조" pitchFamily="18" charset="-127"/>
+              </a:rPr>
+              <a:t> 별이 </a:t>
+            </a:r>
+            <a:r>
+              <a:rPr lang="ko-KR" altLang="en-US" b="1" dirty="0" err="1" smtClean="0">
+                <a:latin typeface="HY신명조" pitchFamily="18" charset="-127"/>
+                <a:ea typeface="HY신명조" pitchFamily="18" charset="-127"/>
+              </a:rPr>
+              <a:t>없는곳이</a:t>
+            </a:r>
+            <a:r>
+              <a:rPr lang="ko-KR" altLang="en-US" b="1" dirty="0" smtClean="0">
+                <a:latin typeface="HY신명조" pitchFamily="18" charset="-127"/>
+                <a:ea typeface="HY신명조" pitchFamily="18" charset="-127"/>
+              </a:rPr>
+              <a:t> </a:t>
+            </a:r>
+            <a:r>
+              <a:rPr lang="en-US" altLang="ko-KR" b="1" dirty="0" smtClean="0">
+                <a:latin typeface="HY신명조" pitchFamily="18" charset="-127"/>
+                <a:ea typeface="HY신명조" pitchFamily="18" charset="-127"/>
+              </a:rPr>
+              <a:t>2~3</a:t>
+            </a:r>
+            <a:r>
+              <a:rPr lang="ko-KR" altLang="en-US" b="1" dirty="0" smtClean="0">
+                <a:latin typeface="HY신명조" pitchFamily="18" charset="-127"/>
+                <a:ea typeface="HY신명조" pitchFamily="18" charset="-127"/>
+              </a:rPr>
+              <a:t>군대만 있음</a:t>
+            </a:r>
+            <a:r>
+              <a:rPr lang="en-US" altLang="ko-KR" b="1" dirty="0" smtClean="0">
+                <a:latin typeface="HY신명조" pitchFamily="18" charset="-127"/>
+                <a:ea typeface="HY신명조" pitchFamily="18" charset="-127"/>
+              </a:rPr>
+              <a:t> </a:t>
+            </a:r>
+            <a:endParaRPr lang="ko-KR" altLang="en-US" b="1" dirty="0">
+              <a:latin typeface="HY신명조" pitchFamily="18" charset="-127"/>
+              <a:ea typeface="HY신명조" pitchFamily="18" charset="-127"/>
+            </a:endParaRPr>
+          </a:p>
+        </p:txBody>
+      </p:sp>
+      <p:cxnSp>
+        <p:nvCxnSpPr>
+          <p:cNvPr id="21" name="직선 화살표 연결선 20"/>
+          <p:cNvCxnSpPr/>
+          <p:nvPr/>
+        </p:nvCxnSpPr>
+        <p:spPr>
+          <a:xfrm>
+            <a:off x="3347864" y="4797152"/>
+            <a:ext cx="792088" cy="0"/>
+          </a:xfrm>
+          <a:prstGeom prst="straightConnector1">
+            <a:avLst/>
+          </a:prstGeom>
+          <a:ln>
+            <a:solidFill>
+              <a:srgbClr val="FF0000"/>
+            </a:solidFill>
+            <a:tailEnd type="arrow"/>
+          </a:ln>
+        </p:spPr>
+        <p:style>
+          <a:lnRef idx="1">
+            <a:schemeClr val="accent1"/>
+          </a:lnRef>
+          <a:fillRef idx="0">
+            <a:schemeClr val="accent1"/>
+          </a:fillRef>
+          <a:effectRef idx="0">
+            <a:schemeClr val="accent1"/>
+          </a:effectRef>
+          <a:fontRef idx="minor">
+            <a:schemeClr val="tx1"/>
+          </a:fontRef>
+        </p:style>
+      </p:cxnSp>
+      <p:sp>
+        <p:nvSpPr>
+          <p:cNvPr id="22" name="TextBox 21"/>
+          <p:cNvSpPr txBox="1"/>
+          <p:nvPr/>
+        </p:nvSpPr>
+        <p:spPr>
+          <a:xfrm>
+            <a:off x="827584" y="4659213"/>
+            <a:ext cx="2520280" cy="646331"/>
+          </a:xfrm>
+          <a:prstGeom prst="rect">
+            <a:avLst/>
+          </a:prstGeom>
+          <a:noFill/>
+        </p:spPr>
+        <p:txBody>
+          <a:bodyPr wrap="square" rtlCol="0">
+            <a:spAutoFit/>
+          </a:bodyPr>
+          <a:lstStyle/>
+          <a:p>
+            <a:r>
+              <a:rPr lang="ko-KR" altLang="en-US" b="1" dirty="0" err="1" smtClean="0">
+                <a:latin typeface="HY신명조" pitchFamily="18" charset="-127"/>
+                <a:ea typeface="HY신명조" pitchFamily="18" charset="-127"/>
+              </a:rPr>
+              <a:t>맵의</a:t>
+            </a:r>
+            <a:r>
+              <a:rPr lang="ko-KR" altLang="en-US" b="1" dirty="0" smtClean="0">
+                <a:latin typeface="HY신명조" pitchFamily="18" charset="-127"/>
+                <a:ea typeface="HY신명조" pitchFamily="18" charset="-127"/>
+              </a:rPr>
+              <a:t> 양쪽 끝은 벽으로 표시함</a:t>
+            </a:r>
+            <a:endParaRPr lang="ko-KR" altLang="en-US" b="1" dirty="0">
+              <a:latin typeface="HY신명조" pitchFamily="18" charset="-127"/>
+              <a:ea typeface="HY신명조" pitchFamily="18" charset="-127"/>
+            </a:endParaRPr>
           </a:p>
         </p:txBody>
       </p:sp>
     </p:spTree>
     <p:extLst>
       <p:ext uri="{BB962C8B-B14F-4D97-AF65-F5344CB8AC3E}">
-        <p14:creationId xmlns:p14="http://schemas.microsoft.com/office/powerpoint/2010/main" val="4055661932"/>
+        <p14:creationId xmlns:p14="http://schemas.microsoft.com/office/powerpoint/2010/main" val="802498124"/>
       </p:ext>
     </p:extLst>
   </p:cSld>
@@ -3705,6 +4197,503 @@
           <a:chExt cx="0" cy="0"/>
         </a:xfrm>
       </p:grpSpPr>
+      <p:pic>
+        <p:nvPicPr>
+          <p:cNvPr id="5" name="내용 개체 틀 4"/>
+          <p:cNvPicPr>
+            <a:picLocks noGrp="1" noChangeAspect="1"/>
+          </p:cNvPicPr>
+          <p:nvPr>
+            <p:ph idx="1"/>
+          </p:nvPr>
+        </p:nvPicPr>
+        <p:blipFill rotWithShape="1">
+          <a:blip r:embed="rId2">
+            <a:extLst>
+              <a:ext uri="{28A0092B-C50C-407E-A947-70E740481C1C}">
+                <a14:useLocalDpi xmlns:a14="http://schemas.microsoft.com/office/drawing/2010/main" val="0"/>
+              </a:ext>
+            </a:extLst>
+          </a:blip>
+          <a:srcRect l="-12500" t="51736" r="19494" b="4350"/>
+          <a:stretch/>
+        </p:blipFill>
+        <p:spPr>
+          <a:xfrm>
+            <a:off x="3995936" y="260648"/>
+            <a:ext cx="4392488" cy="2880321"/>
+          </a:xfrm>
+        </p:spPr>
+      </p:pic>
+      <p:cxnSp>
+        <p:nvCxnSpPr>
+          <p:cNvPr id="6" name="꺾인 연결선 5"/>
+          <p:cNvCxnSpPr/>
+          <p:nvPr/>
+        </p:nvCxnSpPr>
+        <p:spPr>
+          <a:xfrm>
+            <a:off x="3347864" y="1106160"/>
+            <a:ext cx="2880320" cy="1314728"/>
+          </a:xfrm>
+          <a:prstGeom prst="bentConnector3">
+            <a:avLst/>
+          </a:prstGeom>
+          <a:ln>
+            <a:solidFill>
+              <a:srgbClr val="FF0000"/>
+            </a:solidFill>
+            <a:tailEnd type="arrow"/>
+          </a:ln>
+        </p:spPr>
+        <p:style>
+          <a:lnRef idx="1">
+            <a:schemeClr val="accent1"/>
+          </a:lnRef>
+          <a:fillRef idx="0">
+            <a:schemeClr val="accent1"/>
+          </a:fillRef>
+          <a:effectRef idx="0">
+            <a:schemeClr val="accent1"/>
+          </a:effectRef>
+          <a:fontRef idx="minor">
+            <a:schemeClr val="tx1"/>
+          </a:fontRef>
+        </p:style>
+      </p:cxnSp>
+      <p:sp>
+        <p:nvSpPr>
+          <p:cNvPr id="7" name="TextBox 6"/>
+          <p:cNvSpPr txBox="1"/>
+          <p:nvPr/>
+        </p:nvSpPr>
+        <p:spPr>
+          <a:xfrm>
+            <a:off x="157704" y="188640"/>
+            <a:ext cx="3312368" cy="2031325"/>
+          </a:xfrm>
+          <a:prstGeom prst="rect">
+            <a:avLst/>
+          </a:prstGeom>
+          <a:noFill/>
+        </p:spPr>
+        <p:txBody>
+          <a:bodyPr wrap="square" rtlCol="0">
+            <a:spAutoFit/>
+          </a:bodyPr>
+          <a:lstStyle/>
+          <a:p>
+            <a:r>
+              <a:rPr lang="en-US" altLang="ko-KR" b="1" dirty="0" smtClean="0">
+                <a:latin typeface="HY신명조" pitchFamily="18" charset="-127"/>
+                <a:ea typeface="HY신명조" pitchFamily="18" charset="-127"/>
+              </a:rPr>
+              <a:t>1.</a:t>
+            </a:r>
+            <a:r>
+              <a:rPr lang="ko-KR" altLang="en-US" b="1" dirty="0" smtClean="0">
+                <a:latin typeface="HY신명조" pitchFamily="18" charset="-127"/>
+                <a:ea typeface="HY신명조" pitchFamily="18" charset="-127"/>
+              </a:rPr>
+              <a:t>캐릭터 </a:t>
+            </a:r>
+            <a:r>
+              <a:rPr lang="ko-KR" altLang="en-US" b="1" dirty="0">
+                <a:latin typeface="HY신명조" pitchFamily="18" charset="-127"/>
+                <a:ea typeface="HY신명조" pitchFamily="18" charset="-127"/>
+              </a:rPr>
+              <a:t>위치는 </a:t>
+            </a:r>
+            <a:r>
+              <a:rPr lang="ko-KR" altLang="en-US" b="1" dirty="0" err="1" smtClean="0">
+                <a:latin typeface="HY신명조" pitchFamily="18" charset="-127"/>
+                <a:ea typeface="HY신명조" pitchFamily="18" charset="-127"/>
+              </a:rPr>
+              <a:t>맵의</a:t>
+            </a:r>
+            <a:r>
+              <a:rPr lang="ko-KR" altLang="en-US" b="1" dirty="0" smtClean="0">
+                <a:latin typeface="HY신명조" pitchFamily="18" charset="-127"/>
+                <a:ea typeface="HY신명조" pitchFamily="18" charset="-127"/>
+              </a:rPr>
+              <a:t> </a:t>
+            </a:r>
+            <a:r>
+              <a:rPr lang="ko-KR" altLang="en-US" b="1" dirty="0" err="1" smtClean="0">
+                <a:latin typeface="HY신명조" pitchFamily="18" charset="-127"/>
+                <a:ea typeface="HY신명조" pitchFamily="18" charset="-127"/>
+              </a:rPr>
+              <a:t>맨아래에</a:t>
+            </a:r>
+            <a:r>
+              <a:rPr lang="ko-KR" altLang="en-US" b="1" dirty="0" smtClean="0">
+                <a:latin typeface="HY신명조" pitchFamily="18" charset="-127"/>
+                <a:ea typeface="HY신명조" pitchFamily="18" charset="-127"/>
+              </a:rPr>
+              <a:t> 있</a:t>
+            </a:r>
+            <a:r>
+              <a:rPr lang="ko-KR" altLang="en-US" b="1" dirty="0">
+                <a:latin typeface="HY신명조" pitchFamily="18" charset="-127"/>
+                <a:ea typeface="HY신명조" pitchFamily="18" charset="-127"/>
+              </a:rPr>
+              <a:t>음</a:t>
+            </a:r>
+            <a:r>
+              <a:rPr lang="ko-KR" altLang="en-US" b="1" dirty="0" smtClean="0">
+                <a:latin typeface="HY신명조" pitchFamily="18" charset="-127"/>
+                <a:ea typeface="HY신명조" pitchFamily="18" charset="-127"/>
+              </a:rPr>
+              <a:t> </a:t>
+            </a:r>
+            <a:endParaRPr lang="en-US" altLang="ko-KR" b="1" dirty="0" smtClean="0">
+              <a:latin typeface="HY신명조" pitchFamily="18" charset="-127"/>
+              <a:ea typeface="HY신명조" pitchFamily="18" charset="-127"/>
+            </a:endParaRPr>
+          </a:p>
+          <a:p>
+            <a:r>
+              <a:rPr lang="en-US" altLang="ko-KR" b="1" dirty="0" smtClean="0">
+                <a:latin typeface="HY신명조" pitchFamily="18" charset="-127"/>
+                <a:ea typeface="HY신명조" pitchFamily="18" charset="-127"/>
+              </a:rPr>
+              <a:t>2.</a:t>
+            </a:r>
+            <a:r>
+              <a:rPr lang="ko-KR" altLang="en-US" b="1" dirty="0" smtClean="0">
+                <a:latin typeface="HY신명조" pitchFamily="18" charset="-127"/>
+                <a:ea typeface="HY신명조" pitchFamily="18" charset="-127"/>
+              </a:rPr>
+              <a:t>좌우로만 </a:t>
+            </a:r>
+            <a:r>
+              <a:rPr lang="ko-KR" altLang="en-US" b="1" dirty="0">
+                <a:latin typeface="HY신명조" pitchFamily="18" charset="-127"/>
+                <a:ea typeface="HY신명조" pitchFamily="18" charset="-127"/>
+              </a:rPr>
+              <a:t>움직일 수 </a:t>
+            </a:r>
+            <a:r>
+              <a:rPr lang="ko-KR" altLang="en-US" b="1" dirty="0" smtClean="0">
+                <a:latin typeface="HY신명조" pitchFamily="18" charset="-127"/>
+                <a:ea typeface="HY신명조" pitchFamily="18" charset="-127"/>
+              </a:rPr>
+              <a:t>있고 별이 옆에 있어도 </a:t>
+            </a:r>
+            <a:r>
+              <a:rPr lang="ko-KR" altLang="en-US" b="1" dirty="0" err="1" smtClean="0">
+                <a:latin typeface="HY신명조" pitchFamily="18" charset="-127"/>
+                <a:ea typeface="HY신명조" pitchFamily="18" charset="-127"/>
+              </a:rPr>
+              <a:t>움질일</a:t>
+            </a:r>
+            <a:r>
+              <a:rPr lang="ko-KR" altLang="en-US" b="1" dirty="0" smtClean="0">
+                <a:latin typeface="HY신명조" pitchFamily="18" charset="-127"/>
+                <a:ea typeface="HY신명조" pitchFamily="18" charset="-127"/>
+              </a:rPr>
+              <a:t> 수 있음</a:t>
+            </a:r>
+            <a:endParaRPr lang="en-US" altLang="ko-KR" b="1" dirty="0" smtClean="0">
+              <a:latin typeface="HY신명조" pitchFamily="18" charset="-127"/>
+              <a:ea typeface="HY신명조" pitchFamily="18" charset="-127"/>
+            </a:endParaRPr>
+          </a:p>
+          <a:p>
+            <a:r>
+              <a:rPr lang="en-US" altLang="ko-KR" b="1" dirty="0" smtClean="0">
+                <a:latin typeface="HY신명조" pitchFamily="18" charset="-127"/>
+                <a:ea typeface="HY신명조" pitchFamily="18" charset="-127"/>
+              </a:rPr>
+              <a:t>3.</a:t>
+            </a:r>
+            <a:r>
+              <a:rPr lang="ko-KR" altLang="en-US" b="1" dirty="0" smtClean="0">
+                <a:latin typeface="HY신명조" pitchFamily="18" charset="-127"/>
+                <a:ea typeface="HY신명조" pitchFamily="18" charset="-127"/>
+              </a:rPr>
+              <a:t>머리에 별이 떨어지면 게임 끝</a:t>
+            </a:r>
+            <a:endParaRPr lang="ko-KR" altLang="en-US" b="1" dirty="0">
+              <a:latin typeface="HY신명조" pitchFamily="18" charset="-127"/>
+              <a:ea typeface="HY신명조" pitchFamily="18" charset="-127"/>
+            </a:endParaRPr>
+          </a:p>
+          <a:p>
+            <a:endParaRPr lang="ko-KR" altLang="en-US" dirty="0"/>
+          </a:p>
+        </p:txBody>
+      </p:sp>
+      <p:cxnSp>
+        <p:nvCxnSpPr>
+          <p:cNvPr id="10" name="꺾인 연결선 9"/>
+          <p:cNvCxnSpPr/>
+          <p:nvPr/>
+        </p:nvCxnSpPr>
+        <p:spPr>
+          <a:xfrm flipV="1">
+            <a:off x="3470072" y="2636912"/>
+            <a:ext cx="1101928" cy="576064"/>
+          </a:xfrm>
+          <a:prstGeom prst="bentConnector3">
+            <a:avLst/>
+          </a:prstGeom>
+          <a:ln>
+            <a:solidFill>
+              <a:srgbClr val="FF0000"/>
+            </a:solidFill>
+            <a:tailEnd type="arrow"/>
+          </a:ln>
+        </p:spPr>
+        <p:style>
+          <a:lnRef idx="1">
+            <a:schemeClr val="accent1"/>
+          </a:lnRef>
+          <a:fillRef idx="0">
+            <a:schemeClr val="accent1"/>
+          </a:fillRef>
+          <a:effectRef idx="0">
+            <a:schemeClr val="accent1"/>
+          </a:effectRef>
+          <a:fontRef idx="minor">
+            <a:schemeClr val="tx1"/>
+          </a:fontRef>
+        </p:style>
+      </p:cxnSp>
+      <p:sp>
+        <p:nvSpPr>
+          <p:cNvPr id="11" name="TextBox 10"/>
+          <p:cNvSpPr txBox="1"/>
+          <p:nvPr/>
+        </p:nvSpPr>
+        <p:spPr>
+          <a:xfrm>
+            <a:off x="251520" y="2889810"/>
+            <a:ext cx="3312368" cy="646331"/>
+          </a:xfrm>
+          <a:prstGeom prst="rect">
+            <a:avLst/>
+          </a:prstGeom>
+          <a:noFill/>
+        </p:spPr>
+        <p:txBody>
+          <a:bodyPr wrap="square" rtlCol="0">
+            <a:spAutoFit/>
+          </a:bodyPr>
+          <a:lstStyle/>
+          <a:p>
+            <a:r>
+              <a:rPr lang="ko-KR" altLang="en-US" b="1" dirty="0" smtClean="0">
+                <a:latin typeface="HY신명조" pitchFamily="18" charset="-127"/>
+                <a:ea typeface="HY신명조" pitchFamily="18" charset="-127"/>
+              </a:rPr>
+              <a:t>별이 바닥에서 없어지면 </a:t>
+            </a:r>
+            <a:r>
+              <a:rPr lang="ko-KR" altLang="en-US" b="1" dirty="0" err="1" smtClean="0">
+                <a:latin typeface="HY신명조" pitchFamily="18" charset="-127"/>
+                <a:ea typeface="HY신명조" pitchFamily="18" charset="-127"/>
+              </a:rPr>
+              <a:t>갯수당</a:t>
+            </a:r>
+            <a:r>
+              <a:rPr lang="ko-KR" altLang="en-US" b="1" dirty="0" smtClean="0">
+                <a:latin typeface="HY신명조" pitchFamily="18" charset="-127"/>
+                <a:ea typeface="HY신명조" pitchFamily="18" charset="-127"/>
+              </a:rPr>
+              <a:t> </a:t>
+            </a:r>
+            <a:r>
+              <a:rPr lang="en-US" altLang="ko-KR" b="1" dirty="0" smtClean="0">
+                <a:latin typeface="HY신명조" pitchFamily="18" charset="-127"/>
+                <a:ea typeface="HY신명조" pitchFamily="18" charset="-127"/>
+              </a:rPr>
+              <a:t>1</a:t>
+            </a:r>
+            <a:r>
+              <a:rPr lang="ko-KR" altLang="en-US" b="1" dirty="0" smtClean="0">
+                <a:latin typeface="HY신명조" pitchFamily="18" charset="-127"/>
+                <a:ea typeface="HY신명조" pitchFamily="18" charset="-127"/>
+              </a:rPr>
+              <a:t>점씩 계산을 함</a:t>
+            </a:r>
+            <a:endParaRPr lang="ko-KR" altLang="en-US" b="1" dirty="0">
+              <a:latin typeface="HY신명조" pitchFamily="18" charset="-127"/>
+              <a:ea typeface="HY신명조" pitchFamily="18" charset="-127"/>
+            </a:endParaRPr>
+          </a:p>
+        </p:txBody>
+      </p:sp>
+      <p:pic>
+        <p:nvPicPr>
+          <p:cNvPr id="12" name="그림 11"/>
+          <p:cNvPicPr>
+            <a:picLocks noChangeAspect="1"/>
+          </p:cNvPicPr>
+          <p:nvPr/>
+        </p:nvPicPr>
+        <p:blipFill>
+          <a:blip r:embed="rId3">
+            <a:extLst>
+              <a:ext uri="{28A0092B-C50C-407E-A947-70E740481C1C}">
+                <a14:useLocalDpi xmlns:a14="http://schemas.microsoft.com/office/drawing/2010/main" val="0"/>
+              </a:ext>
+            </a:extLst>
+          </a:blip>
+          <a:stretch>
+            <a:fillRect/>
+          </a:stretch>
+        </p:blipFill>
+        <p:spPr>
+          <a:xfrm>
+            <a:off x="4932040" y="3717032"/>
+            <a:ext cx="3752613" cy="2114845"/>
+          </a:xfrm>
+          <a:prstGeom prst="rect">
+            <a:avLst/>
+          </a:prstGeom>
+        </p:spPr>
+      </p:pic>
+      <p:pic>
+        <p:nvPicPr>
+          <p:cNvPr id="13" name="그림 12"/>
+          <p:cNvPicPr>
+            <a:picLocks noChangeAspect="1"/>
+          </p:cNvPicPr>
+          <p:nvPr/>
+        </p:nvPicPr>
+        <p:blipFill>
+          <a:blip r:embed="rId4">
+            <a:extLst>
+              <a:ext uri="{28A0092B-C50C-407E-A947-70E740481C1C}">
+                <a14:useLocalDpi xmlns:a14="http://schemas.microsoft.com/office/drawing/2010/main" val="0"/>
+              </a:ext>
+            </a:extLst>
+          </a:blip>
+          <a:stretch>
+            <a:fillRect/>
+          </a:stretch>
+        </p:blipFill>
+        <p:spPr>
+          <a:xfrm>
+            <a:off x="395536" y="3717032"/>
+            <a:ext cx="3734321" cy="2114845"/>
+          </a:xfrm>
+          <a:prstGeom prst="rect">
+            <a:avLst/>
+          </a:prstGeom>
+        </p:spPr>
+      </p:pic>
+      <p:sp>
+        <p:nvSpPr>
+          <p:cNvPr id="14" name="TextBox 13"/>
+          <p:cNvSpPr txBox="1"/>
+          <p:nvPr/>
+        </p:nvSpPr>
+        <p:spPr>
+          <a:xfrm>
+            <a:off x="1553520" y="6021288"/>
+            <a:ext cx="1578320" cy="461665"/>
+          </a:xfrm>
+          <a:prstGeom prst="rect">
+            <a:avLst/>
+          </a:prstGeom>
+          <a:noFill/>
+        </p:spPr>
+        <p:txBody>
+          <a:bodyPr wrap="square" rtlCol="0">
+            <a:spAutoFit/>
+          </a:bodyPr>
+          <a:lstStyle/>
+          <a:p>
+            <a:r>
+              <a:rPr lang="ko-KR" altLang="en-US" sz="2400" dirty="0" smtClean="0">
+                <a:latin typeface="휴먼모음T" pitchFamily="18" charset="-127"/>
+                <a:ea typeface="휴먼모음T" pitchFamily="18" charset="-127"/>
+              </a:rPr>
+              <a:t>메뉴 화면</a:t>
+            </a:r>
+            <a:endParaRPr lang="ko-KR" altLang="en-US" sz="2400" dirty="0">
+              <a:latin typeface="휴먼모음T" pitchFamily="18" charset="-127"/>
+              <a:ea typeface="휴먼모음T" pitchFamily="18" charset="-127"/>
+            </a:endParaRPr>
+          </a:p>
+        </p:txBody>
+      </p:sp>
+      <p:sp>
+        <p:nvSpPr>
+          <p:cNvPr id="15" name="TextBox 14"/>
+          <p:cNvSpPr txBox="1"/>
+          <p:nvPr/>
+        </p:nvSpPr>
+        <p:spPr>
+          <a:xfrm>
+            <a:off x="5292080" y="6021288"/>
+            <a:ext cx="3168352" cy="461665"/>
+          </a:xfrm>
+          <a:prstGeom prst="rect">
+            <a:avLst/>
+          </a:prstGeom>
+          <a:noFill/>
+        </p:spPr>
+        <p:txBody>
+          <a:bodyPr wrap="square" rtlCol="0">
+            <a:spAutoFit/>
+          </a:bodyPr>
+          <a:lstStyle/>
+          <a:p>
+            <a:pPr algn="ctr"/>
+            <a:r>
+              <a:rPr lang="ko-KR" altLang="en-US" sz="2400" dirty="0" smtClean="0">
+                <a:latin typeface="휴먼모음T" pitchFamily="18" charset="-127"/>
+                <a:ea typeface="휴먼모음T" pitchFamily="18" charset="-127"/>
+              </a:rPr>
+              <a:t>난이도 조절 화면</a:t>
+            </a:r>
+            <a:endParaRPr lang="ko-KR" altLang="en-US" sz="2400" dirty="0">
+              <a:latin typeface="휴먼모음T" pitchFamily="18" charset="-127"/>
+              <a:ea typeface="휴먼모음T" pitchFamily="18" charset="-127"/>
+            </a:endParaRPr>
+          </a:p>
+        </p:txBody>
+      </p:sp>
+    </p:spTree>
+    <p:extLst>
+      <p:ext uri="{BB962C8B-B14F-4D97-AF65-F5344CB8AC3E}">
+        <p14:creationId xmlns:p14="http://schemas.microsoft.com/office/powerpoint/2010/main" val="3417742696"/>
+      </p:ext>
+    </p:extLst>
+  </p:cSld>
+  <p:clrMapOvr>
+    <a:masterClrMapping/>
+  </p:clrMapOvr>
+  <p:timing>
+    <p:tnLst>
+      <p:par>
+        <p:cTn id="1" dur="indefinite" restart="never" nodeType="tmRoot"/>
+      </p:par>
+    </p:tnLst>
+  </p:timing>
+</p:sld>
+</file>
+
+<file path=ppt/slides/slide4.xml><?xml version="1.0" encoding="utf-8"?>
+<p:sld xmlns:a="http://schemas.openxmlformats.org/drawingml/2006/main" xmlns:r="http://schemas.openxmlformats.org/officeDocument/2006/relationships" xmlns:p="http://schemas.openxmlformats.org/presentationml/2006/main">
+  <p:cSld>
+    <p:spTree>
+      <p:nvGrpSpPr>
+        <p:cNvPr id="1" name=""/>
+        <p:cNvGrpSpPr/>
+        <p:nvPr/>
+      </p:nvGrpSpPr>
+      <p:grpSpPr>
+        <a:xfrm>
+          <a:off x="0" y="0"/>
+          <a:ext cx="0" cy="0"/>
+          <a:chOff x="0" y="0"/>
+          <a:chExt cx="0" cy="0"/>
+        </a:xfrm>
+      </p:grpSpPr>
       <p:sp>
         <p:nvSpPr>
           <p:cNvPr id="2" name="제목 1"/>
@@ -3730,7 +4719,714 @@
             </a:r>
             <a:r>
               <a:rPr lang="ko-KR" altLang="en-US" dirty="0" smtClean="0"/>
-              <a:t>프로그래머 입장</a:t>
+              <a:t>프로그래머</a:t>
+            </a:r>
+            <a:r>
+              <a:rPr lang="en-US" altLang="ko-KR" dirty="0" smtClean="0"/>
+              <a:t>)</a:t>
+            </a:r>
+            <a:endParaRPr lang="ko-KR" altLang="en-US" dirty="0"/>
+          </a:p>
+        </p:txBody>
+      </p:sp>
+      <p:sp>
+        <p:nvSpPr>
+          <p:cNvPr id="3" name="내용 개체 틀 2"/>
+          <p:cNvSpPr>
+            <a:spLocks noGrp="1"/>
+          </p:cNvSpPr>
+          <p:nvPr>
+            <p:ph idx="1"/>
+          </p:nvPr>
+        </p:nvSpPr>
+        <p:spPr>
+          <a:xfrm>
+            <a:off x="457200" y="1556792"/>
+            <a:ext cx="8229600" cy="4608512"/>
+          </a:xfrm>
+        </p:spPr>
+        <p:txBody>
+          <a:bodyPr>
+            <a:normAutofit/>
+          </a:bodyPr>
+          <a:lstStyle/>
+          <a:p>
+            <a:r>
+              <a:rPr lang="en-US" altLang="ko-KR" sz="1600" b="1" dirty="0" smtClean="0">
+                <a:latin typeface="HY신명조" pitchFamily="18" charset="-127"/>
+                <a:ea typeface="HY신명조" pitchFamily="18" charset="-127"/>
+              </a:rPr>
+              <a:t>1.</a:t>
+            </a:r>
+            <a:r>
+              <a:rPr lang="ko-KR" altLang="en-US" sz="1600" b="1" dirty="0" err="1" smtClean="0">
+                <a:latin typeface="HY신명조" pitchFamily="18" charset="-127"/>
+                <a:ea typeface="HY신명조" pitchFamily="18" charset="-127"/>
+              </a:rPr>
+              <a:t>맵의</a:t>
+            </a:r>
+            <a:r>
+              <a:rPr lang="ko-KR" altLang="en-US" sz="1600" b="1" dirty="0" smtClean="0">
+                <a:latin typeface="HY신명조" pitchFamily="18" charset="-127"/>
+                <a:ea typeface="HY신명조" pitchFamily="18" charset="-127"/>
+              </a:rPr>
+              <a:t> 크기를 정한다</a:t>
+            </a:r>
+            <a:r>
+              <a:rPr lang="en-US" altLang="ko-KR" sz="1600" b="1" dirty="0" smtClean="0">
+                <a:latin typeface="HY신명조" pitchFamily="18" charset="-127"/>
+                <a:ea typeface="HY신명조" pitchFamily="18" charset="-127"/>
+              </a:rPr>
+              <a:t>(</a:t>
+            </a:r>
+            <a:r>
+              <a:rPr lang="ko-KR" altLang="en-US" sz="1600" b="1" dirty="0" smtClean="0">
+                <a:latin typeface="HY신명조" pitchFamily="18" charset="-127"/>
+                <a:ea typeface="HY신명조" pitchFamily="18" charset="-127"/>
+              </a:rPr>
+              <a:t>배열을 그린다</a:t>
+            </a:r>
+            <a:r>
+              <a:rPr lang="en-US" altLang="ko-KR" sz="1600" b="1" dirty="0" smtClean="0">
+                <a:latin typeface="HY신명조" pitchFamily="18" charset="-127"/>
+                <a:ea typeface="HY신명조" pitchFamily="18" charset="-127"/>
+              </a:rPr>
+              <a:t>)</a:t>
+            </a:r>
+          </a:p>
+          <a:p>
+            <a:r>
+              <a:rPr lang="en-US" altLang="ko-KR" sz="1600" b="1" dirty="0" smtClean="0">
+                <a:latin typeface="HY신명조" pitchFamily="18" charset="-127"/>
+                <a:ea typeface="HY신명조" pitchFamily="18" charset="-127"/>
+              </a:rPr>
+              <a:t>2.</a:t>
+            </a:r>
+            <a:r>
+              <a:rPr lang="ko-KR" altLang="en-US" sz="1600" b="1" dirty="0" err="1" smtClean="0">
+                <a:latin typeface="HY신명조" pitchFamily="18" charset="-127"/>
+                <a:ea typeface="HY신명조" pitchFamily="18" charset="-127"/>
+              </a:rPr>
+              <a:t>맵위에</a:t>
+            </a:r>
+            <a:r>
+              <a:rPr lang="ko-KR" altLang="en-US" sz="1600" b="1" dirty="0" smtClean="0">
+                <a:latin typeface="HY신명조" pitchFamily="18" charset="-127"/>
+                <a:ea typeface="HY신명조" pitchFamily="18" charset="-127"/>
+              </a:rPr>
+              <a:t> 난이도를 표시한다</a:t>
+            </a:r>
+            <a:endParaRPr lang="en-US" altLang="ko-KR" sz="1600" b="1" dirty="0" smtClean="0">
+              <a:latin typeface="HY신명조" pitchFamily="18" charset="-127"/>
+              <a:ea typeface="HY신명조" pitchFamily="18" charset="-127"/>
+            </a:endParaRPr>
+          </a:p>
+          <a:p>
+            <a:r>
+              <a:rPr lang="en-US" altLang="ko-KR" sz="1600" b="1" dirty="0" smtClean="0">
+                <a:latin typeface="HY신명조" pitchFamily="18" charset="-127"/>
+                <a:ea typeface="HY신명조" pitchFamily="18" charset="-127"/>
+              </a:rPr>
+              <a:t>3.</a:t>
+            </a:r>
+            <a:r>
+              <a:rPr lang="ko-KR" altLang="en-US" sz="1600" b="1" dirty="0" err="1" smtClean="0">
+                <a:latin typeface="HY신명조" pitchFamily="18" charset="-127"/>
+                <a:ea typeface="HY신명조" pitchFamily="18" charset="-127"/>
+              </a:rPr>
+              <a:t>맵</a:t>
+            </a:r>
+            <a:r>
+              <a:rPr lang="ko-KR" altLang="en-US" sz="1600" b="1" dirty="0" smtClean="0">
+                <a:latin typeface="HY신명조" pitchFamily="18" charset="-127"/>
+                <a:ea typeface="HY신명조" pitchFamily="18" charset="-127"/>
+              </a:rPr>
+              <a:t> 아래에 스코어를 표시한다</a:t>
+            </a:r>
+            <a:endParaRPr lang="en-US" altLang="ko-KR" sz="1600" b="1" dirty="0" smtClean="0">
+              <a:latin typeface="HY신명조" pitchFamily="18" charset="-127"/>
+              <a:ea typeface="HY신명조" pitchFamily="18" charset="-127"/>
+            </a:endParaRPr>
+          </a:p>
+          <a:p>
+            <a:r>
+              <a:rPr lang="en-US" altLang="ko-KR" sz="1600" b="1" dirty="0" smtClean="0">
+                <a:latin typeface="HY신명조" pitchFamily="18" charset="-127"/>
+                <a:ea typeface="HY신명조" pitchFamily="18" charset="-127"/>
+              </a:rPr>
+              <a:t>4.</a:t>
+            </a:r>
+            <a:r>
+              <a:rPr lang="ko-KR" altLang="en-US" sz="1600" b="1" dirty="0" err="1" smtClean="0">
+                <a:latin typeface="HY신명조" pitchFamily="18" charset="-127"/>
+                <a:ea typeface="HY신명조" pitchFamily="18" charset="-127"/>
+              </a:rPr>
+              <a:t>맵의</a:t>
+            </a:r>
+            <a:r>
+              <a:rPr lang="ko-KR" altLang="en-US" sz="1600" b="1" dirty="0">
+                <a:latin typeface="HY신명조" pitchFamily="18" charset="-127"/>
+                <a:ea typeface="HY신명조" pitchFamily="18" charset="-127"/>
+              </a:rPr>
+              <a:t> </a:t>
+            </a:r>
+            <a:r>
+              <a:rPr lang="en-US" altLang="ko-KR" sz="1600" b="1" dirty="0" smtClean="0">
+                <a:latin typeface="HY신명조" pitchFamily="18" charset="-127"/>
+                <a:ea typeface="HY신명조" pitchFamily="18" charset="-127"/>
+              </a:rPr>
+              <a:t>x=0 &amp;&amp; x=width</a:t>
+            </a:r>
+            <a:r>
+              <a:rPr lang="ko-KR" altLang="en-US" sz="1600" b="1" dirty="0" smtClean="0">
+                <a:latin typeface="HY신명조" pitchFamily="18" charset="-127"/>
+                <a:ea typeface="HY신명조" pitchFamily="18" charset="-127"/>
+              </a:rPr>
+              <a:t>는 벽으로 그린다</a:t>
+            </a:r>
+            <a:r>
+              <a:rPr lang="en-US" altLang="ko-KR" sz="1600" b="1" dirty="0" smtClean="0">
+                <a:latin typeface="HY신명조" pitchFamily="18" charset="-127"/>
+                <a:ea typeface="HY신명조" pitchFamily="18" charset="-127"/>
+              </a:rPr>
+              <a:t> </a:t>
+            </a:r>
+          </a:p>
+          <a:p>
+            <a:r>
+              <a:rPr lang="en-US" altLang="ko-KR" sz="1600" b="1" dirty="0" smtClean="0">
+                <a:latin typeface="HY신명조" pitchFamily="18" charset="-127"/>
+                <a:ea typeface="HY신명조" pitchFamily="18" charset="-127"/>
+              </a:rPr>
+              <a:t>5.y==0</a:t>
+            </a:r>
+            <a:r>
+              <a:rPr lang="ko-KR" altLang="en-US" sz="1600" b="1" dirty="0" smtClean="0">
+                <a:latin typeface="HY신명조" pitchFamily="18" charset="-127"/>
+                <a:ea typeface="HY신명조" pitchFamily="18" charset="-127"/>
+              </a:rPr>
+              <a:t>이고 </a:t>
+            </a:r>
+            <a:r>
+              <a:rPr lang="en-US" altLang="ko-KR" sz="1600" b="1" dirty="0" smtClean="0">
+                <a:latin typeface="HY신명조" pitchFamily="18" charset="-127"/>
+                <a:ea typeface="HY신명조" pitchFamily="18" charset="-127"/>
+              </a:rPr>
+              <a:t>x</a:t>
+            </a:r>
+            <a:r>
+              <a:rPr lang="ko-KR" altLang="en-US" sz="1600" b="1" dirty="0" smtClean="0">
+                <a:latin typeface="HY신명조" pitchFamily="18" charset="-127"/>
+                <a:ea typeface="HY신명조" pitchFamily="18" charset="-127"/>
+              </a:rPr>
+              <a:t>가 </a:t>
+            </a:r>
+            <a:r>
+              <a:rPr lang="ko-KR" altLang="en-US" sz="1600" b="1" dirty="0" err="1" smtClean="0">
+                <a:latin typeface="HY신명조" pitchFamily="18" charset="-127"/>
+                <a:ea typeface="HY신명조" pitchFamily="18" charset="-127"/>
+              </a:rPr>
+              <a:t>벽외에</a:t>
+            </a:r>
+            <a:r>
+              <a:rPr lang="ko-KR" altLang="en-US" sz="1600" b="1" dirty="0" smtClean="0">
+                <a:latin typeface="HY신명조" pitchFamily="18" charset="-127"/>
+                <a:ea typeface="HY신명조" pitchFamily="18" charset="-127"/>
+              </a:rPr>
+              <a:t> 다른 </a:t>
+            </a:r>
+            <a:r>
+              <a:rPr lang="en-US" altLang="ko-KR" sz="1600" b="1" dirty="0" smtClean="0">
+                <a:latin typeface="HY신명조" pitchFamily="18" charset="-127"/>
+                <a:ea typeface="HY신명조" pitchFamily="18" charset="-127"/>
+              </a:rPr>
+              <a:t>x</a:t>
+            </a:r>
+            <a:r>
+              <a:rPr lang="ko-KR" altLang="en-US" sz="1600" b="1" dirty="0" smtClean="0">
+                <a:latin typeface="HY신명조" pitchFamily="18" charset="-127"/>
+                <a:ea typeface="HY신명조" pitchFamily="18" charset="-127"/>
+              </a:rPr>
+              <a:t>좌표에 랜덤으로 </a:t>
+            </a:r>
+            <a:r>
+              <a:rPr lang="ko-KR" altLang="en-US" sz="1600" b="1" dirty="0" smtClean="0">
+                <a:latin typeface="휴먼모음T" pitchFamily="18" charset="-127"/>
+                <a:ea typeface="휴먼모음T" pitchFamily="18" charset="-127"/>
+              </a:rPr>
+              <a:t>☆</a:t>
+            </a:r>
+            <a:r>
+              <a:rPr lang="ko-KR" altLang="en-US" sz="1600" b="1" dirty="0" err="1" smtClean="0">
+                <a:latin typeface="HY신명조" pitchFamily="18" charset="-127"/>
+                <a:ea typeface="HY신명조" pitchFamily="18" charset="-127"/>
+              </a:rPr>
+              <a:t>을생성되게</a:t>
+            </a:r>
+            <a:r>
+              <a:rPr lang="ko-KR" altLang="en-US" sz="1600" b="1" dirty="0" smtClean="0">
+                <a:latin typeface="HY신명조" pitchFamily="18" charset="-127"/>
+                <a:ea typeface="HY신명조" pitchFamily="18" charset="-127"/>
+              </a:rPr>
+              <a:t> 한다</a:t>
+            </a:r>
+            <a:endParaRPr lang="en-US" altLang="ko-KR" sz="1600" b="1" dirty="0" smtClean="0">
+              <a:latin typeface="HY신명조" pitchFamily="18" charset="-127"/>
+              <a:ea typeface="HY신명조" pitchFamily="18" charset="-127"/>
+            </a:endParaRPr>
+          </a:p>
+          <a:p>
+            <a:r>
+              <a:rPr lang="en-US" altLang="ko-KR" sz="1600" b="1" dirty="0" smtClean="0">
+                <a:latin typeface="HY신명조" pitchFamily="18" charset="-127"/>
+                <a:ea typeface="HY신명조" pitchFamily="18" charset="-127"/>
+              </a:rPr>
+              <a:t>6.x</a:t>
+            </a:r>
+            <a:r>
+              <a:rPr lang="ko-KR" altLang="en-US" sz="1600" b="1" dirty="0" smtClean="0">
+                <a:latin typeface="HY신명조" pitchFamily="18" charset="-127"/>
+                <a:ea typeface="HY신명조" pitchFamily="18" charset="-127"/>
+              </a:rPr>
+              <a:t>좌표에 랜덤으로 생성된 </a:t>
+            </a:r>
+            <a:r>
+              <a:rPr lang="en-US" altLang="ko-KR" sz="1600" b="1" dirty="0" smtClean="0">
+                <a:latin typeface="HY신명조" pitchFamily="18" charset="-127"/>
+                <a:ea typeface="HY신명조" pitchFamily="18" charset="-127"/>
+              </a:rPr>
+              <a:t>y</a:t>
+            </a:r>
+            <a:r>
+              <a:rPr lang="ko-KR" altLang="en-US" sz="1600" b="1" dirty="0" smtClean="0">
+                <a:latin typeface="HY신명조" pitchFamily="18" charset="-127"/>
+                <a:ea typeface="HY신명조" pitchFamily="18" charset="-127"/>
+              </a:rPr>
+              <a:t>열을 </a:t>
+            </a:r>
+            <a:r>
+              <a:rPr lang="ko-KR" altLang="en-US" sz="1600" b="1" dirty="0" err="1" smtClean="0">
+                <a:latin typeface="HY신명조" pitchFamily="18" charset="-127"/>
+                <a:ea typeface="HY신명조" pitchFamily="18" charset="-127"/>
+              </a:rPr>
+              <a:t>첫번째</a:t>
+            </a:r>
+            <a:r>
+              <a:rPr lang="ko-KR" altLang="en-US" sz="1600" b="1" dirty="0" smtClean="0">
+                <a:latin typeface="HY신명조" pitchFamily="18" charset="-127"/>
+                <a:ea typeface="HY신명조" pitchFamily="18" charset="-127"/>
+              </a:rPr>
+              <a:t> 배열로 저장한다</a:t>
+            </a:r>
+            <a:endParaRPr lang="en-US" altLang="ko-KR" sz="1600" b="1" dirty="0" smtClean="0">
+              <a:latin typeface="HY신명조" pitchFamily="18" charset="-127"/>
+              <a:ea typeface="HY신명조" pitchFamily="18" charset="-127"/>
+            </a:endParaRPr>
+          </a:p>
+          <a:p>
+            <a:r>
+              <a:rPr lang="en-US" altLang="ko-KR" sz="1600" b="1" dirty="0">
+                <a:latin typeface="HY신명조" pitchFamily="18" charset="-127"/>
+                <a:ea typeface="HY신명조" pitchFamily="18" charset="-127"/>
+              </a:rPr>
+              <a:t>7</a:t>
+            </a:r>
+            <a:r>
+              <a:rPr lang="en-US" altLang="ko-KR" sz="1600" b="1" dirty="0" smtClean="0">
+                <a:latin typeface="HY신명조" pitchFamily="18" charset="-127"/>
+                <a:ea typeface="HY신명조" pitchFamily="18" charset="-127"/>
+              </a:rPr>
+              <a:t>.</a:t>
+            </a:r>
+            <a:r>
+              <a:rPr lang="ko-KR" altLang="en-US" sz="1600" b="1" dirty="0" smtClean="0">
+                <a:latin typeface="HY신명조" pitchFamily="18" charset="-127"/>
+                <a:ea typeface="HY신명조" pitchFamily="18" charset="-127"/>
+              </a:rPr>
+              <a:t>일정시간이 지나면 </a:t>
+            </a:r>
+            <a:r>
+              <a:rPr lang="ko-KR" altLang="en-US" sz="1600" b="1" dirty="0" err="1" smtClean="0">
+                <a:latin typeface="HY신명조" pitchFamily="18" charset="-127"/>
+                <a:ea typeface="HY신명조" pitchFamily="18" charset="-127"/>
+              </a:rPr>
+              <a:t>별이생성된</a:t>
+            </a:r>
+            <a:r>
+              <a:rPr lang="ko-KR" altLang="en-US" sz="1600" b="1" dirty="0" smtClean="0">
+                <a:latin typeface="HY신명조" pitchFamily="18" charset="-127"/>
+                <a:ea typeface="HY신명조" pitchFamily="18" charset="-127"/>
+              </a:rPr>
+              <a:t> 배열에 </a:t>
+            </a:r>
+            <a:r>
+              <a:rPr lang="en-US" altLang="ko-KR" sz="1600" b="1" dirty="0" smtClean="0">
+                <a:latin typeface="HY신명조" pitchFamily="18" charset="-127"/>
+                <a:ea typeface="HY신명조" pitchFamily="18" charset="-127"/>
+              </a:rPr>
+              <a:t>y++</a:t>
+            </a:r>
+            <a:r>
+              <a:rPr lang="ko-KR" altLang="en-US" sz="1600" b="1" dirty="0" smtClean="0">
+                <a:latin typeface="HY신명조" pitchFamily="18" charset="-127"/>
+                <a:ea typeface="HY신명조" pitchFamily="18" charset="-127"/>
+              </a:rPr>
+              <a:t>을 한다</a:t>
+            </a:r>
+            <a:endParaRPr lang="en-US" altLang="ko-KR" sz="1600" b="1" dirty="0" smtClean="0">
+              <a:latin typeface="HY신명조" pitchFamily="18" charset="-127"/>
+              <a:ea typeface="HY신명조" pitchFamily="18" charset="-127"/>
+            </a:endParaRPr>
+          </a:p>
+          <a:p>
+            <a:r>
+              <a:rPr lang="en-US" altLang="ko-KR" sz="1600" b="1" dirty="0">
+                <a:latin typeface="HY신명조" pitchFamily="18" charset="-127"/>
+                <a:ea typeface="HY신명조" pitchFamily="18" charset="-127"/>
+              </a:rPr>
+              <a:t>8</a:t>
+            </a:r>
+            <a:r>
+              <a:rPr lang="en-US" altLang="ko-KR" sz="1600" b="1" dirty="0" smtClean="0">
+                <a:latin typeface="HY신명조" pitchFamily="18" charset="-127"/>
+                <a:ea typeface="HY신명조" pitchFamily="18" charset="-127"/>
+              </a:rPr>
+              <a:t>.</a:t>
+            </a:r>
+            <a:r>
+              <a:rPr lang="ko-KR" altLang="en-US" sz="1600" b="1" dirty="0" err="1" smtClean="0">
+                <a:latin typeface="HY신명조" pitchFamily="18" charset="-127"/>
+                <a:ea typeface="HY신명조" pitchFamily="18" charset="-127"/>
+              </a:rPr>
+              <a:t>맵의</a:t>
+            </a:r>
+            <a:r>
+              <a:rPr lang="ko-KR" altLang="en-US" sz="1600" b="1" dirty="0" smtClean="0">
+                <a:latin typeface="HY신명조" pitchFamily="18" charset="-127"/>
+                <a:ea typeface="HY신명조" pitchFamily="18" charset="-127"/>
+              </a:rPr>
+              <a:t> </a:t>
+            </a:r>
+            <a:r>
+              <a:rPr lang="en-US" altLang="ko-KR" sz="1600" b="1" dirty="0" smtClean="0">
+                <a:latin typeface="HY신명조" pitchFamily="18" charset="-127"/>
+                <a:ea typeface="HY신명조" pitchFamily="18" charset="-127"/>
+              </a:rPr>
+              <a:t>height</a:t>
+            </a:r>
+            <a:r>
+              <a:rPr lang="ko-KR" altLang="en-US" sz="1600" b="1" dirty="0" smtClean="0">
+                <a:latin typeface="HY신명조" pitchFamily="18" charset="-127"/>
+                <a:ea typeface="HY신명조" pitchFamily="18" charset="-127"/>
+              </a:rPr>
+              <a:t>까지 반복한다</a:t>
+            </a:r>
+            <a:endParaRPr lang="en-US" altLang="ko-KR" sz="1600" b="1" dirty="0">
+              <a:latin typeface="HY신명조" pitchFamily="18" charset="-127"/>
+              <a:ea typeface="HY신명조" pitchFamily="18" charset="-127"/>
+            </a:endParaRPr>
+          </a:p>
+          <a:p>
+            <a:r>
+              <a:rPr lang="en-US" altLang="ko-KR" sz="1600" b="1" dirty="0" smtClean="0">
+                <a:latin typeface="HY신명조" pitchFamily="18" charset="-127"/>
+                <a:ea typeface="HY신명조" pitchFamily="18" charset="-127"/>
+              </a:rPr>
+              <a:t>9.</a:t>
+            </a:r>
+            <a:r>
+              <a:rPr lang="ko-KR" altLang="en-US" sz="1600" b="1" dirty="0" smtClean="0">
+                <a:latin typeface="HY신명조" pitchFamily="18" charset="-127"/>
+                <a:ea typeface="HY신명조" pitchFamily="18" charset="-127"/>
+              </a:rPr>
+              <a:t>별이 여러 개 생길 수 있는 식 과 </a:t>
+            </a:r>
+            <a:r>
+              <a:rPr lang="en-US" altLang="ko-KR" sz="1600" b="1" dirty="0" smtClean="0">
+                <a:latin typeface="HY신명조" pitchFamily="18" charset="-127"/>
+                <a:ea typeface="HY신명조" pitchFamily="18" charset="-127"/>
+              </a:rPr>
+              <a:t>y++</a:t>
+            </a:r>
+            <a:r>
+              <a:rPr lang="ko-KR" altLang="en-US" sz="1600" b="1" dirty="0" smtClean="0">
+                <a:latin typeface="HY신명조" pitchFamily="18" charset="-127"/>
+                <a:ea typeface="HY신명조" pitchFamily="18" charset="-127"/>
+              </a:rPr>
+              <a:t>을 하는 시간을 정한다</a:t>
+            </a:r>
+            <a:r>
+              <a:rPr lang="en-US" altLang="ko-KR" sz="1600" b="1" dirty="0" smtClean="0">
+                <a:latin typeface="HY신명조" pitchFamily="18" charset="-127"/>
+                <a:ea typeface="HY신명조" pitchFamily="18" charset="-127"/>
+              </a:rPr>
+              <a:t>(</a:t>
+            </a:r>
+            <a:r>
+              <a:rPr lang="ko-KR" altLang="en-US" sz="1600" b="1" dirty="0" smtClean="0">
+                <a:latin typeface="HY신명조" pitchFamily="18" charset="-127"/>
+                <a:ea typeface="HY신명조" pitchFamily="18" charset="-127"/>
+              </a:rPr>
+              <a:t>난이도로 변화를 줄 수 있도록</a:t>
+            </a:r>
+            <a:r>
+              <a:rPr lang="en-US" altLang="ko-KR" sz="1600" b="1" dirty="0" smtClean="0">
+                <a:latin typeface="HY신명조" pitchFamily="18" charset="-127"/>
+                <a:ea typeface="HY신명조" pitchFamily="18" charset="-127"/>
+              </a:rPr>
+              <a:t>)</a:t>
+            </a:r>
+          </a:p>
+          <a:p>
+            <a:r>
+              <a:rPr lang="en-US" altLang="ko-KR" sz="1600" b="1" dirty="0" smtClean="0">
+                <a:latin typeface="HY신명조" pitchFamily="18" charset="-127"/>
+                <a:ea typeface="HY신명조" pitchFamily="18" charset="-127"/>
+              </a:rPr>
+              <a:t>10.</a:t>
+            </a:r>
+            <a:r>
+              <a:rPr lang="ko-KR" altLang="en-US" sz="1600" b="1" dirty="0" smtClean="0">
+                <a:latin typeface="HY신명조" pitchFamily="18" charset="-127"/>
+                <a:ea typeface="HY신명조" pitchFamily="18" charset="-127"/>
+              </a:rPr>
+              <a:t>캐릭터는 좌우로만 움직이도록 하되 별이 옆에 있어도 </a:t>
+            </a:r>
+            <a:r>
+              <a:rPr lang="ko-KR" altLang="en-US" sz="1600" b="1" dirty="0" err="1" smtClean="0">
+                <a:latin typeface="HY신명조" pitchFamily="18" charset="-127"/>
+                <a:ea typeface="HY신명조" pitchFamily="18" charset="-127"/>
+              </a:rPr>
+              <a:t>움직일수</a:t>
+            </a:r>
+            <a:r>
+              <a:rPr lang="ko-KR" altLang="en-US" sz="1600" b="1" dirty="0" smtClean="0">
+                <a:latin typeface="HY신명조" pitchFamily="18" charset="-127"/>
+                <a:ea typeface="HY신명조" pitchFamily="18" charset="-127"/>
+              </a:rPr>
+              <a:t> 있게 한다</a:t>
+            </a:r>
+            <a:endParaRPr lang="en-US" altLang="ko-KR" sz="1600" b="1" dirty="0" smtClean="0">
+              <a:latin typeface="HY신명조" pitchFamily="18" charset="-127"/>
+              <a:ea typeface="HY신명조" pitchFamily="18" charset="-127"/>
+            </a:endParaRPr>
+          </a:p>
+          <a:p>
+            <a:r>
+              <a:rPr lang="en-US" altLang="ko-KR" sz="1600" b="1" dirty="0" smtClean="0">
+                <a:latin typeface="HY신명조" pitchFamily="18" charset="-127"/>
+                <a:ea typeface="HY신명조" pitchFamily="18" charset="-127"/>
+              </a:rPr>
+              <a:t>11.</a:t>
+            </a:r>
+            <a:r>
+              <a:rPr lang="ko-KR" altLang="en-US" sz="1600" b="1" dirty="0" smtClean="0">
+                <a:latin typeface="HY신명조" pitchFamily="18" charset="-127"/>
+                <a:ea typeface="HY신명조" pitchFamily="18" charset="-127"/>
+              </a:rPr>
+              <a:t>별이 캐릭터 머리에 떨어지면 게임이 끝이 </a:t>
+            </a:r>
+            <a:r>
+              <a:rPr lang="ko-KR" altLang="en-US" sz="1600" b="1" dirty="0" err="1" smtClean="0">
+                <a:latin typeface="HY신명조" pitchFamily="18" charset="-127"/>
+                <a:ea typeface="HY신명조" pitchFamily="18" charset="-127"/>
+              </a:rPr>
+              <a:t>나도록함</a:t>
+            </a:r>
+            <a:endParaRPr lang="en-US" altLang="ko-KR" sz="1600" b="1" dirty="0" smtClean="0">
+              <a:latin typeface="HY신명조" pitchFamily="18" charset="-127"/>
+              <a:ea typeface="HY신명조" pitchFamily="18" charset="-127"/>
+            </a:endParaRPr>
+          </a:p>
+          <a:p>
+            <a:r>
+              <a:rPr lang="en-US" altLang="ko-KR" sz="1600" b="1" dirty="0" smtClean="0">
+                <a:latin typeface="HY신명조" pitchFamily="18" charset="-127"/>
+                <a:ea typeface="HY신명조" pitchFamily="18" charset="-127"/>
+              </a:rPr>
+              <a:t>12.</a:t>
+            </a:r>
+            <a:r>
+              <a:rPr lang="ko-KR" altLang="en-US" sz="1600" b="1" dirty="0" smtClean="0">
+                <a:latin typeface="HY신명조" pitchFamily="18" charset="-127"/>
+                <a:ea typeface="HY신명조" pitchFamily="18" charset="-127"/>
+              </a:rPr>
+              <a:t>별이 바닥에서 </a:t>
+            </a:r>
+            <a:r>
+              <a:rPr lang="ko-KR" altLang="en-US" sz="1600" b="1" dirty="0" err="1" smtClean="0">
+                <a:latin typeface="HY신명조" pitchFamily="18" charset="-127"/>
+                <a:ea typeface="HY신명조" pitchFamily="18" charset="-127"/>
+              </a:rPr>
+              <a:t>없어질때</a:t>
+            </a:r>
+            <a:r>
+              <a:rPr lang="ko-KR" altLang="en-US" sz="1600" b="1" dirty="0" smtClean="0">
+                <a:latin typeface="HY신명조" pitchFamily="18" charset="-127"/>
+                <a:ea typeface="HY신명조" pitchFamily="18" charset="-127"/>
+              </a:rPr>
+              <a:t> 스코어에 별의 </a:t>
+            </a:r>
+            <a:r>
+              <a:rPr lang="ko-KR" altLang="en-US" sz="1600" b="1" dirty="0" err="1" smtClean="0">
+                <a:latin typeface="HY신명조" pitchFamily="18" charset="-127"/>
+                <a:ea typeface="HY신명조" pitchFamily="18" charset="-127"/>
+              </a:rPr>
+              <a:t>갯수당</a:t>
+            </a:r>
+            <a:r>
+              <a:rPr lang="ko-KR" altLang="en-US" sz="1600" b="1" dirty="0" smtClean="0">
+                <a:latin typeface="HY신명조" pitchFamily="18" charset="-127"/>
+                <a:ea typeface="HY신명조" pitchFamily="18" charset="-127"/>
+              </a:rPr>
+              <a:t> </a:t>
+            </a:r>
+            <a:r>
+              <a:rPr lang="en-US" altLang="ko-KR" sz="1600" b="1" dirty="0" smtClean="0">
+                <a:latin typeface="HY신명조" pitchFamily="18" charset="-127"/>
+                <a:ea typeface="HY신명조" pitchFamily="18" charset="-127"/>
+              </a:rPr>
+              <a:t>1</a:t>
+            </a:r>
+            <a:r>
+              <a:rPr lang="ko-KR" altLang="en-US" sz="1600" b="1" dirty="0" smtClean="0">
+                <a:latin typeface="HY신명조" pitchFamily="18" charset="-127"/>
+                <a:ea typeface="HY신명조" pitchFamily="18" charset="-127"/>
+              </a:rPr>
+              <a:t>점씩 올라가도록 함</a:t>
+            </a:r>
+            <a:endParaRPr lang="en-US" altLang="ko-KR" sz="1600" b="1" dirty="0" smtClean="0">
+              <a:latin typeface="HY신명조" pitchFamily="18" charset="-127"/>
+              <a:ea typeface="HY신명조" pitchFamily="18" charset="-127"/>
+            </a:endParaRPr>
+          </a:p>
+          <a:p>
+            <a:r>
+              <a:rPr lang="en-US" altLang="ko-KR" sz="1600" b="1" dirty="0" smtClean="0">
+                <a:latin typeface="HY신명조" pitchFamily="18" charset="-127"/>
+                <a:ea typeface="HY신명조" pitchFamily="18" charset="-127"/>
+              </a:rPr>
+              <a:t>13.</a:t>
+            </a:r>
+            <a:r>
+              <a:rPr lang="ko-KR" altLang="en-US" sz="1600" b="1" dirty="0" smtClean="0">
+                <a:latin typeface="HY신명조" pitchFamily="18" charset="-127"/>
+                <a:ea typeface="HY신명조" pitchFamily="18" charset="-127"/>
+              </a:rPr>
+              <a:t>메뉴화면을 만들다</a:t>
+            </a:r>
+            <a:endParaRPr lang="en-US" altLang="ko-KR" sz="1600" b="1" dirty="0" smtClean="0">
+              <a:latin typeface="HY신명조" pitchFamily="18" charset="-127"/>
+              <a:ea typeface="HY신명조" pitchFamily="18" charset="-127"/>
+            </a:endParaRPr>
+          </a:p>
+          <a:p>
+            <a:r>
+              <a:rPr lang="en-US" altLang="ko-KR" sz="1600" b="1" dirty="0" smtClean="0">
+                <a:latin typeface="HY신명조" pitchFamily="18" charset="-127"/>
+                <a:ea typeface="HY신명조" pitchFamily="18" charset="-127"/>
+              </a:rPr>
+              <a:t>14.</a:t>
+            </a:r>
+            <a:r>
+              <a:rPr lang="ko-KR" altLang="en-US" sz="1600" b="1" dirty="0" smtClean="0">
+                <a:latin typeface="HY신명조" pitchFamily="18" charset="-127"/>
+                <a:ea typeface="HY신명조" pitchFamily="18" charset="-127"/>
+              </a:rPr>
+              <a:t>난이도 화면을 만든다</a:t>
+            </a:r>
+            <a:endParaRPr lang="en-US" altLang="ko-KR" sz="1600" b="1" dirty="0" smtClean="0">
+              <a:latin typeface="HY신명조" pitchFamily="18" charset="-127"/>
+              <a:ea typeface="HY신명조" pitchFamily="18" charset="-127"/>
+            </a:endParaRPr>
+          </a:p>
+          <a:p>
+            <a:endParaRPr lang="en-US" altLang="ko-KR" sz="1800" b="1" dirty="0" smtClean="0">
+              <a:latin typeface="HY신명조" pitchFamily="18" charset="-127"/>
+              <a:ea typeface="HY신명조" pitchFamily="18" charset="-127"/>
+            </a:endParaRPr>
+          </a:p>
+          <a:p>
+            <a:endParaRPr lang="en-US" altLang="ko-KR" sz="1800" dirty="0" smtClean="0">
+              <a:latin typeface="HY신명조" pitchFamily="18" charset="-127"/>
+              <a:ea typeface="HY신명조" pitchFamily="18" charset="-127"/>
+            </a:endParaRPr>
+          </a:p>
+          <a:p>
+            <a:endParaRPr lang="ko-KR" altLang="en-US" sz="1800" dirty="0">
+              <a:latin typeface="HY신명조" pitchFamily="18" charset="-127"/>
+              <a:ea typeface="HY신명조" pitchFamily="18" charset="-127"/>
+            </a:endParaRPr>
+          </a:p>
+        </p:txBody>
+      </p:sp>
+    </p:spTree>
+    <p:extLst>
+      <p:ext uri="{BB962C8B-B14F-4D97-AF65-F5344CB8AC3E}">
+        <p14:creationId xmlns:p14="http://schemas.microsoft.com/office/powerpoint/2010/main" val="531171443"/>
+      </p:ext>
+    </p:extLst>
+  </p:cSld>
+  <p:clrMapOvr>
+    <a:masterClrMapping/>
+  </p:clrMapOvr>
+  <p:timing>
+    <p:tnLst>
+      <p:par>
+        <p:cTn id="1" dur="indefinite" restart="never" nodeType="tmRoot"/>
+      </p:par>
+    </p:tnLst>
+  </p:timing>
+</p:sld>
+</file>
+
+<file path=ppt/slides/slide5.xml><?xml version="1.0" encoding="utf-8"?>
+<p:sld xmlns:a="http://schemas.openxmlformats.org/drawingml/2006/main" xmlns:r="http://schemas.openxmlformats.org/officeDocument/2006/relationships" xmlns:p="http://schemas.openxmlformats.org/presentationml/2006/main">
+  <p:cSld>
+    <p:spTree>
+      <p:nvGrpSpPr>
+        <p:cNvPr id="1" name=""/>
+        <p:cNvGrpSpPr/>
+        <p:nvPr/>
+      </p:nvGrpSpPr>
+      <p:grpSpPr>
+        <a:xfrm>
+          <a:off x="0" y="0"/>
+          <a:ext cx="0" cy="0"/>
+          <a:chOff x="0" y="0"/>
+          <a:chExt cx="0" cy="0"/>
+        </a:xfrm>
+      </p:grpSpPr>
+      <p:sp>
+        <p:nvSpPr>
+          <p:cNvPr id="2" name="제목 1"/>
+          <p:cNvSpPr>
+            <a:spLocks noGrp="1"/>
+          </p:cNvSpPr>
+          <p:nvPr>
+            <p:ph type="title"/>
+          </p:nvPr>
+        </p:nvSpPr>
+        <p:spPr/>
+        <p:txBody>
+          <a:bodyPr/>
+          <a:lstStyle/>
+          <a:p>
+            <a:r>
+              <a:rPr lang="ko-KR" altLang="en-US" dirty="0" smtClean="0"/>
+              <a:t>필요한 기능</a:t>
+            </a:r>
+            <a:r>
+              <a:rPr lang="en-US" altLang="ko-KR" dirty="0" smtClean="0"/>
+              <a:t>(</a:t>
+            </a:r>
+            <a:r>
+              <a:rPr lang="ko-KR" altLang="en-US" dirty="0" smtClean="0">
+                <a:solidFill>
+                  <a:srgbClr val="0070C0"/>
+                </a:solidFill>
+              </a:rPr>
+              <a:t>프로그래머</a:t>
             </a:r>
             <a:r>
               <a:rPr lang="en-US" altLang="ko-KR" dirty="0" smtClean="0"/>
@@ -3758,376 +5454,934 @@
           <a:lstStyle/>
           <a:p>
             <a:r>
-              <a:rPr lang="en-US" altLang="ko-KR" sz="2000" dirty="0" smtClean="0"/>
+              <a:rPr lang="en-US" altLang="ko-KR" sz="2000" b="1" dirty="0" smtClean="0">
+                <a:solidFill>
+                  <a:srgbClr val="00B050"/>
+                </a:solidFill>
+                <a:latin typeface="HY신명조" pitchFamily="18" charset="-127"/>
+                <a:ea typeface="HY신명조" pitchFamily="18" charset="-127"/>
+              </a:rPr>
               <a:t>1. </a:t>
             </a:r>
             <a:r>
-              <a:rPr lang="ko-KR" altLang="en-US" sz="2000" dirty="0" err="1" smtClean="0"/>
+              <a:rPr lang="ko-KR" altLang="en-US" sz="2000" b="1" dirty="0" err="1" smtClean="0">
+                <a:solidFill>
+                  <a:srgbClr val="00B050"/>
+                </a:solidFill>
+                <a:latin typeface="HY신명조" pitchFamily="18" charset="-127"/>
+                <a:ea typeface="HY신명조" pitchFamily="18" charset="-127"/>
+              </a:rPr>
               <a:t>맵을</a:t>
             </a:r>
             <a:r>
-              <a:rPr lang="ko-KR" altLang="en-US" sz="2000" dirty="0" smtClean="0"/>
+              <a:rPr lang="ko-KR" altLang="en-US" sz="2000" b="1" dirty="0" smtClean="0">
+                <a:solidFill>
+                  <a:srgbClr val="00B050"/>
+                </a:solidFill>
+                <a:latin typeface="HY신명조" pitchFamily="18" charset="-127"/>
+                <a:ea typeface="HY신명조" pitchFamily="18" charset="-127"/>
+              </a:rPr>
               <a:t> 만든다</a:t>
             </a:r>
             <a:r>
-              <a:rPr lang="en-US" altLang="ko-KR" sz="2000" dirty="0" smtClean="0"/>
+              <a:rPr lang="en-US" altLang="ko-KR" sz="2000" b="1" dirty="0" smtClean="0">
+                <a:solidFill>
+                  <a:srgbClr val="00B050"/>
+                </a:solidFill>
+                <a:latin typeface="HY신명조" pitchFamily="18" charset="-127"/>
+                <a:ea typeface="HY신명조" pitchFamily="18" charset="-127"/>
+              </a:rPr>
               <a:t>(</a:t>
             </a:r>
             <a:r>
-              <a:rPr lang="ko-KR" altLang="en-US" sz="2000" dirty="0" smtClean="0"/>
+              <a:rPr lang="ko-KR" altLang="en-US" sz="2000" b="1" dirty="0" smtClean="0">
+                <a:solidFill>
+                  <a:srgbClr val="00B050"/>
+                </a:solidFill>
+                <a:latin typeface="HY신명조" pitchFamily="18" charset="-127"/>
+                <a:ea typeface="HY신명조" pitchFamily="18" charset="-127"/>
+              </a:rPr>
               <a:t>벽</a:t>
             </a:r>
             <a:r>
-              <a:rPr lang="en-US" altLang="ko-KR" sz="2000" dirty="0" smtClean="0"/>
+              <a:rPr lang="en-US" altLang="ko-KR" sz="2000" b="1" dirty="0" smtClean="0">
+                <a:solidFill>
+                  <a:srgbClr val="00B050"/>
+                </a:solidFill>
+                <a:latin typeface="HY신명조" pitchFamily="18" charset="-127"/>
+                <a:ea typeface="HY신명조" pitchFamily="18" charset="-127"/>
+              </a:rPr>
               <a:t>,</a:t>
             </a:r>
             <a:r>
-              <a:rPr lang="ko-KR" altLang="en-US" sz="2000" dirty="0"/>
+              <a:rPr lang="ko-KR" altLang="en-US" sz="2000" b="1" dirty="0">
+                <a:solidFill>
+                  <a:srgbClr val="00B050"/>
+                </a:solidFill>
+                <a:latin typeface="HY신명조" pitchFamily="18" charset="-127"/>
+                <a:ea typeface="HY신명조" pitchFamily="18" charset="-127"/>
+              </a:rPr>
               <a:t>캐</a:t>
             </a:r>
             <a:r>
-              <a:rPr lang="ko-KR" altLang="en-US" sz="2000" dirty="0" smtClean="0"/>
+              <a:rPr lang="ko-KR" altLang="en-US" sz="2000" b="1" dirty="0" smtClean="0">
+                <a:solidFill>
+                  <a:srgbClr val="00B050"/>
+                </a:solidFill>
+                <a:latin typeface="HY신명조" pitchFamily="18" charset="-127"/>
+                <a:ea typeface="HY신명조" pitchFamily="18" charset="-127"/>
+              </a:rPr>
               <a:t>릭터 처음위치</a:t>
             </a:r>
             <a:r>
-              <a:rPr lang="en-US" altLang="ko-KR" sz="2000" dirty="0"/>
+              <a:rPr lang="en-US" altLang="ko-KR" sz="2000" b="1" dirty="0">
+                <a:solidFill>
+                  <a:srgbClr val="00B050"/>
+                </a:solidFill>
+                <a:latin typeface="HY신명조" pitchFamily="18" charset="-127"/>
+                <a:ea typeface="HY신명조" pitchFamily="18" charset="-127"/>
+              </a:rPr>
               <a:t>)</a:t>
             </a:r>
             <a:r>
-              <a:rPr lang="en-US" altLang="ko-KR" sz="2000" dirty="0" smtClean="0"/>
+              <a:rPr lang="en-US" altLang="ko-KR" sz="2000" b="1" dirty="0" smtClean="0">
+                <a:solidFill>
+                  <a:srgbClr val="00B050"/>
+                </a:solidFill>
+                <a:latin typeface="HY신명조" pitchFamily="18" charset="-127"/>
+                <a:ea typeface="HY신명조" pitchFamily="18" charset="-127"/>
+              </a:rPr>
               <a:t> O</a:t>
             </a:r>
           </a:p>
           <a:p>
             <a:r>
-              <a:rPr lang="en-US" altLang="ko-KR" sz="2000" dirty="0" smtClean="0"/>
+              <a:rPr lang="en-US" altLang="ko-KR" sz="2000" dirty="0" smtClean="0">
+                <a:solidFill>
+                  <a:srgbClr val="0070C0"/>
+                </a:solidFill>
+                <a:latin typeface="HY신명조" pitchFamily="18" charset="-127"/>
+                <a:ea typeface="HY신명조" pitchFamily="18" charset="-127"/>
+              </a:rPr>
               <a:t>2. </a:t>
             </a:r>
             <a:r>
-              <a:rPr lang="ko-KR" altLang="en-US" sz="2000" dirty="0" err="1" smtClean="0"/>
+              <a:rPr lang="ko-KR" altLang="en-US" sz="2000" dirty="0" err="1" smtClean="0">
+                <a:solidFill>
+                  <a:srgbClr val="0070C0"/>
+                </a:solidFill>
+                <a:latin typeface="HY신명조" pitchFamily="18" charset="-127"/>
+                <a:ea typeface="HY신명조" pitchFamily="18" charset="-127"/>
+              </a:rPr>
               <a:t>맵의</a:t>
             </a:r>
             <a:r>
-              <a:rPr lang="ko-KR" altLang="en-US" sz="2000" dirty="0" smtClean="0"/>
+              <a:rPr lang="ko-KR" altLang="en-US" sz="2000" dirty="0" smtClean="0">
+                <a:solidFill>
+                  <a:srgbClr val="0070C0"/>
+                </a:solidFill>
+                <a:latin typeface="HY신명조" pitchFamily="18" charset="-127"/>
+                <a:ea typeface="HY신명조" pitchFamily="18" charset="-127"/>
+              </a:rPr>
               <a:t> </a:t>
             </a:r>
             <a:r>
-              <a:rPr lang="en-US" altLang="ko-KR" sz="2000" dirty="0" smtClean="0"/>
+              <a:rPr lang="en-US" altLang="ko-KR" sz="2000" dirty="0" smtClean="0">
+                <a:solidFill>
+                  <a:srgbClr val="0070C0"/>
+                </a:solidFill>
+                <a:latin typeface="HY신명조" pitchFamily="18" charset="-127"/>
+                <a:ea typeface="HY신명조" pitchFamily="18" charset="-127"/>
+              </a:rPr>
               <a:t>y</a:t>
             </a:r>
             <a:r>
-              <a:rPr lang="ko-KR" altLang="en-US" sz="2000" dirty="0" smtClean="0"/>
+              <a:rPr lang="ko-KR" altLang="en-US" sz="2000" dirty="0" smtClean="0">
+                <a:solidFill>
+                  <a:srgbClr val="0070C0"/>
+                </a:solidFill>
+                <a:latin typeface="HY신명조" pitchFamily="18" charset="-127"/>
+                <a:ea typeface="HY신명조" pitchFamily="18" charset="-127"/>
+              </a:rPr>
               <a:t>열 처음위치부터 </a:t>
             </a:r>
             <a:r>
-              <a:rPr lang="en-US" altLang="ko-KR" sz="2000" dirty="0" smtClean="0"/>
+              <a:rPr lang="en-US" altLang="ko-KR" sz="2000" dirty="0" smtClean="0">
+                <a:solidFill>
+                  <a:srgbClr val="0070C0"/>
+                </a:solidFill>
+                <a:latin typeface="HY신명조" pitchFamily="18" charset="-127"/>
+                <a:ea typeface="HY신명조" pitchFamily="18" charset="-127"/>
+              </a:rPr>
               <a:t>x</a:t>
             </a:r>
             <a:r>
-              <a:rPr lang="ko-KR" altLang="en-US" sz="2000" dirty="0" smtClean="0"/>
+              <a:rPr lang="ko-KR" altLang="en-US" sz="2000" dirty="0" smtClean="0">
+                <a:solidFill>
+                  <a:srgbClr val="0070C0"/>
+                </a:solidFill>
+                <a:latin typeface="HY신명조" pitchFamily="18" charset="-127"/>
+                <a:ea typeface="HY신명조" pitchFamily="18" charset="-127"/>
+              </a:rPr>
               <a:t>좌표에 랜덤으로 별을 그린다</a:t>
             </a:r>
-            <a:endParaRPr lang="en-US" altLang="ko-KR" sz="2000" dirty="0" smtClean="0"/>
+            <a:endParaRPr lang="en-US" altLang="ko-KR" sz="2000" dirty="0" smtClean="0">
+              <a:solidFill>
+                <a:srgbClr val="0070C0"/>
+              </a:solidFill>
+              <a:latin typeface="HY신명조" pitchFamily="18" charset="-127"/>
+              <a:ea typeface="HY신명조" pitchFamily="18" charset="-127"/>
+            </a:endParaRPr>
           </a:p>
           <a:p>
             <a:pPr marL="0" indent="0">
               <a:buNone/>
             </a:pPr>
             <a:r>
-              <a:rPr lang="en-US" altLang="ko-KR" sz="2000" dirty="0" smtClean="0"/>
+              <a:rPr lang="en-US" altLang="ko-KR" sz="2000" dirty="0" smtClean="0">
+                <a:solidFill>
+                  <a:srgbClr val="0070C0"/>
+                </a:solidFill>
+                <a:latin typeface="HY신명조" pitchFamily="18" charset="-127"/>
+                <a:ea typeface="HY신명조" pitchFamily="18" charset="-127"/>
+              </a:rPr>
               <a:t>(x</a:t>
             </a:r>
             <a:r>
-              <a:rPr lang="ko-KR" altLang="en-US" sz="2000" dirty="0" smtClean="0"/>
+              <a:rPr lang="ko-KR" altLang="en-US" sz="2000" dirty="0" smtClean="0">
+                <a:solidFill>
+                  <a:srgbClr val="0070C0"/>
+                </a:solidFill>
+                <a:latin typeface="HY신명조" pitchFamily="18" charset="-127"/>
+                <a:ea typeface="HY신명조" pitchFamily="18" charset="-127"/>
+              </a:rPr>
               <a:t>좌표에 </a:t>
             </a:r>
             <a:r>
-              <a:rPr lang="en-US" altLang="ko-KR" sz="2000" dirty="0" smtClean="0"/>
+              <a:rPr lang="en-US" altLang="ko-KR" sz="2000" dirty="0" smtClean="0">
+                <a:solidFill>
+                  <a:srgbClr val="0070C0"/>
+                </a:solidFill>
+                <a:latin typeface="HY신명조" pitchFamily="18" charset="-127"/>
+                <a:ea typeface="HY신명조" pitchFamily="18" charset="-127"/>
+              </a:rPr>
               <a:t>0</a:t>
             </a:r>
             <a:r>
-              <a:rPr lang="ko-KR" altLang="en-US" sz="2000" dirty="0" smtClean="0"/>
+              <a:rPr lang="ko-KR" altLang="en-US" sz="2000" dirty="0" smtClean="0">
+                <a:solidFill>
+                  <a:srgbClr val="0070C0"/>
+                </a:solidFill>
+                <a:latin typeface="HY신명조" pitchFamily="18" charset="-127"/>
+                <a:ea typeface="HY신명조" pitchFamily="18" charset="-127"/>
+              </a:rPr>
               <a:t>이 최소</a:t>
             </a:r>
             <a:r>
-              <a:rPr lang="en-US" altLang="ko-KR" sz="2000" dirty="0" smtClean="0"/>
+              <a:rPr lang="en-US" altLang="ko-KR" sz="2000" dirty="0" smtClean="0">
+                <a:solidFill>
+                  <a:srgbClr val="0070C0"/>
+                </a:solidFill>
+                <a:latin typeface="HY신명조" pitchFamily="18" charset="-127"/>
+                <a:ea typeface="HY신명조" pitchFamily="18" charset="-127"/>
+              </a:rPr>
               <a:t>2</a:t>
             </a:r>
             <a:r>
-              <a:rPr lang="ko-KR" altLang="en-US" sz="2000" dirty="0" smtClean="0"/>
+              <a:rPr lang="ko-KR" altLang="en-US" sz="2000" dirty="0" smtClean="0">
+                <a:solidFill>
+                  <a:srgbClr val="0070C0"/>
+                </a:solidFill>
+                <a:latin typeface="HY신명조" pitchFamily="18" charset="-127"/>
+                <a:ea typeface="HY신명조" pitchFamily="18" charset="-127"/>
+              </a:rPr>
               <a:t>개는 </a:t>
             </a:r>
             <a:r>
-              <a:rPr lang="ko-KR" altLang="en-US" sz="2000" dirty="0" err="1" smtClean="0"/>
+              <a:rPr lang="ko-KR" altLang="en-US" sz="2000" dirty="0" err="1" smtClean="0">
+                <a:solidFill>
+                  <a:srgbClr val="0070C0"/>
+                </a:solidFill>
+                <a:latin typeface="HY신명조" pitchFamily="18" charset="-127"/>
+                <a:ea typeface="HY신명조" pitchFamily="18" charset="-127"/>
+              </a:rPr>
               <a:t>있어야함</a:t>
             </a:r>
             <a:r>
-              <a:rPr lang="en-US" altLang="ko-KR" sz="2000" dirty="0" smtClean="0"/>
+              <a:rPr lang="en-US" altLang="ko-KR" sz="2000" dirty="0" smtClean="0">
+                <a:solidFill>
+                  <a:srgbClr val="0070C0"/>
+                </a:solidFill>
+                <a:latin typeface="HY신명조" pitchFamily="18" charset="-127"/>
+                <a:ea typeface="HY신명조" pitchFamily="18" charset="-127"/>
+              </a:rPr>
               <a:t>)</a:t>
             </a:r>
           </a:p>
           <a:p>
             <a:r>
-              <a:rPr lang="en-US" altLang="ko-KR" sz="2000" dirty="0" smtClean="0"/>
+              <a:rPr lang="en-US" altLang="ko-KR" sz="2000" dirty="0" smtClean="0">
+                <a:solidFill>
+                  <a:srgbClr val="0070C0"/>
+                </a:solidFill>
+                <a:latin typeface="HY신명조" pitchFamily="18" charset="-127"/>
+                <a:ea typeface="HY신명조" pitchFamily="18" charset="-127"/>
+              </a:rPr>
               <a:t>3. x</a:t>
             </a:r>
             <a:r>
-              <a:rPr lang="ko-KR" altLang="en-US" sz="2000" dirty="0" smtClean="0"/>
+              <a:rPr lang="ko-KR" altLang="en-US" sz="2000" dirty="0" smtClean="0">
+                <a:solidFill>
+                  <a:srgbClr val="0070C0"/>
+                </a:solidFill>
+                <a:latin typeface="HY신명조" pitchFamily="18" charset="-127"/>
+                <a:ea typeface="HY신명조" pitchFamily="18" charset="-127"/>
+              </a:rPr>
               <a:t>좌표에 그려진 별을 </a:t>
             </a:r>
             <a:r>
-              <a:rPr lang="en-US" altLang="ko-KR" sz="2000" dirty="0" smtClean="0"/>
+              <a:rPr lang="en-US" altLang="ko-KR" sz="2000" dirty="0" smtClean="0">
+                <a:solidFill>
+                  <a:srgbClr val="0070C0"/>
+                </a:solidFill>
+                <a:latin typeface="HY신명조" pitchFamily="18" charset="-127"/>
+                <a:ea typeface="HY신명조" pitchFamily="18" charset="-127"/>
+              </a:rPr>
               <a:t>star</a:t>
             </a:r>
             <a:r>
-              <a:rPr lang="ko-KR" altLang="en-US" sz="2000" dirty="0" smtClean="0"/>
+              <a:rPr lang="ko-KR" altLang="en-US" sz="2000" dirty="0" smtClean="0">
+                <a:solidFill>
+                  <a:srgbClr val="0070C0"/>
+                </a:solidFill>
+                <a:latin typeface="HY신명조" pitchFamily="18" charset="-127"/>
+                <a:ea typeface="HY신명조" pitchFamily="18" charset="-127"/>
+              </a:rPr>
               <a:t>배열에 저장한다</a:t>
             </a:r>
-            <a:endParaRPr lang="en-US" altLang="ko-KR" sz="2000" dirty="0" smtClean="0"/>
-          </a:p>
-          <a:p>
-            <a:r>
-              <a:rPr lang="en-US" altLang="ko-KR" sz="2000" dirty="0" smtClean="0"/>
+            <a:endParaRPr lang="en-US" altLang="ko-KR" sz="2000" dirty="0" smtClean="0">
+              <a:solidFill>
+                <a:srgbClr val="0070C0"/>
+              </a:solidFill>
+              <a:latin typeface="HY신명조" pitchFamily="18" charset="-127"/>
+              <a:ea typeface="HY신명조" pitchFamily="18" charset="-127"/>
+            </a:endParaRPr>
+          </a:p>
+          <a:p>
+            <a:r>
+              <a:rPr lang="en-US" altLang="ko-KR" sz="2000" dirty="0" smtClean="0">
+                <a:solidFill>
+                  <a:srgbClr val="0070C0"/>
+                </a:solidFill>
+                <a:latin typeface="HY신명조" pitchFamily="18" charset="-127"/>
+                <a:ea typeface="HY신명조" pitchFamily="18" charset="-127"/>
+              </a:rPr>
               <a:t>4. </a:t>
             </a:r>
             <a:r>
-              <a:rPr lang="ko-KR" altLang="en-US" sz="2000" dirty="0" smtClean="0"/>
+              <a:rPr lang="ko-KR" altLang="en-US" sz="2000" dirty="0" smtClean="0">
+                <a:solidFill>
+                  <a:srgbClr val="0070C0"/>
+                </a:solidFill>
+                <a:latin typeface="HY신명조" pitchFamily="18" charset="-127"/>
+                <a:ea typeface="HY신명조" pitchFamily="18" charset="-127"/>
+              </a:rPr>
               <a:t>저장된 배열을 </a:t>
             </a:r>
             <a:r>
-              <a:rPr lang="en-US" altLang="ko-KR" sz="2000" dirty="0" smtClean="0"/>
+              <a:rPr lang="en-US" altLang="ko-KR" sz="2000" dirty="0" smtClean="0">
+                <a:solidFill>
+                  <a:srgbClr val="0070C0"/>
+                </a:solidFill>
+                <a:latin typeface="HY신명조" pitchFamily="18" charset="-127"/>
+                <a:ea typeface="HY신명조" pitchFamily="18" charset="-127"/>
+              </a:rPr>
               <a:t>y</a:t>
             </a:r>
             <a:r>
-              <a:rPr lang="ko-KR" altLang="en-US" sz="2000" dirty="0"/>
+              <a:rPr lang="ko-KR" altLang="en-US" sz="2000" dirty="0">
+                <a:solidFill>
+                  <a:srgbClr val="0070C0"/>
+                </a:solidFill>
+                <a:latin typeface="HY신명조" pitchFamily="18" charset="-127"/>
+                <a:ea typeface="HY신명조" pitchFamily="18" charset="-127"/>
+              </a:rPr>
               <a:t>값</a:t>
             </a:r>
             <a:r>
-              <a:rPr lang="ko-KR" altLang="en-US" sz="2000" dirty="0" smtClean="0"/>
+              <a:rPr lang="ko-KR" altLang="en-US" sz="2000" dirty="0" smtClean="0">
+                <a:solidFill>
+                  <a:srgbClr val="0070C0"/>
+                </a:solidFill>
+                <a:latin typeface="HY신명조" pitchFamily="18" charset="-127"/>
+                <a:ea typeface="HY신명조" pitchFamily="18" charset="-127"/>
+              </a:rPr>
               <a:t> </a:t>
             </a:r>
             <a:r>
-              <a:rPr lang="en-US" altLang="ko-KR" sz="2000" dirty="0" smtClean="0"/>
+              <a:rPr lang="en-US" altLang="ko-KR" sz="2000" dirty="0" smtClean="0">
+                <a:solidFill>
+                  <a:srgbClr val="0070C0"/>
+                </a:solidFill>
+                <a:latin typeface="HY신명조" pitchFamily="18" charset="-127"/>
+                <a:ea typeface="HY신명조" pitchFamily="18" charset="-127"/>
+              </a:rPr>
               <a:t>1</a:t>
             </a:r>
             <a:r>
-              <a:rPr lang="ko-KR" altLang="en-US" sz="2000" dirty="0" smtClean="0"/>
+              <a:rPr lang="ko-KR" altLang="en-US" sz="2000" dirty="0" smtClean="0">
+                <a:solidFill>
+                  <a:srgbClr val="0070C0"/>
+                </a:solidFill>
+                <a:latin typeface="HY신명조" pitchFamily="18" charset="-127"/>
+                <a:ea typeface="HY신명조" pitchFamily="18" charset="-127"/>
+              </a:rPr>
               <a:t>씩 증가시킨다 </a:t>
             </a:r>
-            <a:endParaRPr lang="en-US" altLang="ko-KR" sz="2000" dirty="0" smtClean="0"/>
-          </a:p>
-          <a:p>
-            <a:r>
-              <a:rPr lang="en-US" altLang="ko-KR" sz="2000" dirty="0" smtClean="0"/>
+            <a:endParaRPr lang="en-US" altLang="ko-KR" sz="2000" dirty="0" smtClean="0">
+              <a:solidFill>
+                <a:srgbClr val="0070C0"/>
+              </a:solidFill>
+              <a:latin typeface="HY신명조" pitchFamily="18" charset="-127"/>
+              <a:ea typeface="HY신명조" pitchFamily="18" charset="-127"/>
+            </a:endParaRPr>
+          </a:p>
+          <a:p>
+            <a:r>
+              <a:rPr lang="en-US" altLang="ko-KR" sz="2000" dirty="0" smtClean="0">
+                <a:solidFill>
+                  <a:srgbClr val="0070C0"/>
+                </a:solidFill>
+                <a:latin typeface="HY신명조" pitchFamily="18" charset="-127"/>
+                <a:ea typeface="HY신명조" pitchFamily="18" charset="-127"/>
+              </a:rPr>
               <a:t>5. y</a:t>
             </a:r>
             <a:r>
-              <a:rPr lang="ko-KR" altLang="en-US" sz="2000" dirty="0" smtClean="0"/>
+              <a:rPr lang="ko-KR" altLang="en-US" sz="2000" dirty="0" smtClean="0">
+                <a:solidFill>
+                  <a:srgbClr val="0070C0"/>
+                </a:solidFill>
+                <a:latin typeface="HY신명조" pitchFamily="18" charset="-127"/>
+                <a:ea typeface="HY신명조" pitchFamily="18" charset="-127"/>
+              </a:rPr>
               <a:t>값의 증가를 </a:t>
             </a:r>
             <a:r>
-              <a:rPr lang="en-US" altLang="ko-KR" sz="2000" dirty="0" smtClean="0"/>
+              <a:rPr lang="en-US" altLang="ko-KR" sz="2000" dirty="0" smtClean="0">
+                <a:solidFill>
+                  <a:srgbClr val="0070C0"/>
+                </a:solidFill>
+                <a:latin typeface="HY신명조" pitchFamily="18" charset="-127"/>
+                <a:ea typeface="HY신명조" pitchFamily="18" charset="-127"/>
+              </a:rPr>
               <a:t>time </a:t>
             </a:r>
             <a:r>
-              <a:rPr lang="ko-KR" altLang="en-US" sz="2000" dirty="0" smtClean="0"/>
+              <a:rPr lang="ko-KR" altLang="en-US" sz="2000" dirty="0" smtClean="0">
+                <a:solidFill>
+                  <a:srgbClr val="0070C0"/>
+                </a:solidFill>
+                <a:latin typeface="HY신명조" pitchFamily="18" charset="-127"/>
+                <a:ea typeface="HY신명조" pitchFamily="18" charset="-127"/>
+              </a:rPr>
               <a:t>함수를 사용하여 속도를 만든다</a:t>
             </a:r>
-            <a:endParaRPr lang="en-US" altLang="ko-KR" sz="2000" dirty="0" smtClean="0"/>
-          </a:p>
-          <a:p>
-            <a:r>
-              <a:rPr lang="en-US" altLang="ko-KR" sz="2000" dirty="0" smtClean="0"/>
+            <a:endParaRPr lang="en-US" altLang="ko-KR" sz="2000" dirty="0" smtClean="0">
+              <a:solidFill>
+                <a:srgbClr val="00B050"/>
+              </a:solidFill>
+              <a:latin typeface="HY신명조" pitchFamily="18" charset="-127"/>
+              <a:ea typeface="HY신명조" pitchFamily="18" charset="-127"/>
+            </a:endParaRPr>
+          </a:p>
+          <a:p>
+            <a:r>
+              <a:rPr lang="en-US" altLang="ko-KR" sz="2000" b="1" dirty="0" smtClean="0">
+                <a:solidFill>
+                  <a:srgbClr val="00B050"/>
+                </a:solidFill>
+                <a:latin typeface="HY신명조" pitchFamily="18" charset="-127"/>
+                <a:ea typeface="HY신명조" pitchFamily="18" charset="-127"/>
+              </a:rPr>
               <a:t>6. </a:t>
             </a:r>
             <a:r>
-              <a:rPr lang="ko-KR" altLang="en-US" sz="2000" dirty="0" smtClean="0"/>
+              <a:rPr lang="ko-KR" altLang="en-US" sz="2000" b="1" dirty="0" smtClean="0">
+                <a:solidFill>
+                  <a:srgbClr val="00B050"/>
+                </a:solidFill>
+                <a:latin typeface="HY신명조" pitchFamily="18" charset="-127"/>
+                <a:ea typeface="HY신명조" pitchFamily="18" charset="-127"/>
+              </a:rPr>
               <a:t>캐릭터</a:t>
             </a:r>
             <a:r>
-              <a:rPr lang="en-US" altLang="ko-KR" sz="2000" dirty="0" smtClean="0"/>
+              <a:rPr lang="en-US" altLang="ko-KR" sz="2000" b="1" dirty="0" smtClean="0">
+                <a:solidFill>
+                  <a:srgbClr val="00B050"/>
+                </a:solidFill>
+                <a:latin typeface="HY신명조" pitchFamily="18" charset="-127"/>
+                <a:ea typeface="HY신명조" pitchFamily="18" charset="-127"/>
+              </a:rPr>
               <a:t>(</a:t>
             </a:r>
             <a:r>
-              <a:rPr lang="ko-KR" altLang="en-US" sz="2000" dirty="0" err="1" smtClean="0"/>
+              <a:rPr lang="ko-KR" altLang="en-US" sz="2000" b="1" dirty="0" err="1" smtClean="0">
+                <a:solidFill>
+                  <a:srgbClr val="00B050"/>
+                </a:solidFill>
+                <a:latin typeface="HY신명조" pitchFamily="18" charset="-127"/>
+                <a:ea typeface="HY신명조" pitchFamily="18" charset="-127"/>
+              </a:rPr>
               <a:t>읏</a:t>
             </a:r>
             <a:r>
-              <a:rPr lang="en-US" altLang="ko-KR" sz="2000" dirty="0" smtClean="0"/>
+              <a:rPr lang="en-US" altLang="ko-KR" sz="2000" b="1" dirty="0" smtClean="0">
+                <a:solidFill>
+                  <a:srgbClr val="00B050"/>
+                </a:solidFill>
+                <a:latin typeface="HY신명조" pitchFamily="18" charset="-127"/>
+                <a:ea typeface="HY신명조" pitchFamily="18" charset="-127"/>
+              </a:rPr>
               <a:t>)</a:t>
             </a:r>
             <a:r>
-              <a:rPr lang="ko-KR" altLang="en-US" sz="2000" dirty="0" smtClean="0"/>
+              <a:rPr lang="ko-KR" altLang="en-US" sz="2000" b="1" dirty="0" smtClean="0">
+                <a:solidFill>
+                  <a:srgbClr val="00B050"/>
+                </a:solidFill>
+                <a:latin typeface="HY신명조" pitchFamily="18" charset="-127"/>
+                <a:ea typeface="HY신명조" pitchFamily="18" charset="-127"/>
+              </a:rPr>
               <a:t>가 별이 </a:t>
             </a:r>
             <a:r>
-              <a:rPr lang="ko-KR" altLang="en-US" sz="2000" dirty="0" err="1" smtClean="0"/>
+              <a:rPr lang="ko-KR" altLang="en-US" sz="2000" b="1" dirty="0" err="1" smtClean="0">
+                <a:solidFill>
+                  <a:srgbClr val="00B050"/>
+                </a:solidFill>
+                <a:latin typeface="HY신명조" pitchFamily="18" charset="-127"/>
+                <a:ea typeface="HY신명조" pitchFamily="18" charset="-127"/>
+              </a:rPr>
               <a:t>내려갈때</a:t>
             </a:r>
             <a:r>
-              <a:rPr lang="ko-KR" altLang="en-US" sz="2000" dirty="0" smtClean="0"/>
+              <a:rPr lang="ko-KR" altLang="en-US" sz="2000" b="1" dirty="0" smtClean="0">
+                <a:solidFill>
+                  <a:srgbClr val="00B050"/>
+                </a:solidFill>
+                <a:latin typeface="HY신명조" pitchFamily="18" charset="-127"/>
+                <a:ea typeface="HY신명조" pitchFamily="18" charset="-127"/>
+              </a:rPr>
               <a:t> 위치해 있다면 </a:t>
             </a:r>
             <a:r>
-              <a:rPr lang="ko-KR" altLang="en-US" sz="2000" dirty="0" err="1" smtClean="0"/>
+              <a:rPr lang="ko-KR" altLang="en-US" sz="2000" b="1" dirty="0" err="1" smtClean="0">
+                <a:solidFill>
+                  <a:srgbClr val="00B050"/>
+                </a:solidFill>
+                <a:latin typeface="HY신명조" pitchFamily="18" charset="-127"/>
+                <a:ea typeface="HY신명조" pitchFamily="18" charset="-127"/>
+              </a:rPr>
               <a:t>게임끝</a:t>
             </a:r>
-            <a:endParaRPr lang="en-US" altLang="ko-KR" sz="2000" dirty="0" smtClean="0"/>
-          </a:p>
-          <a:p>
-            <a:r>
-              <a:rPr lang="en-US" altLang="ko-KR" sz="2000" dirty="0" smtClean="0"/>
+            <a:endParaRPr lang="en-US" altLang="ko-KR" sz="2000" b="1" dirty="0" smtClean="0">
+              <a:solidFill>
+                <a:srgbClr val="00B050"/>
+              </a:solidFill>
+              <a:latin typeface="HY신명조" pitchFamily="18" charset="-127"/>
+              <a:ea typeface="HY신명조" pitchFamily="18" charset="-127"/>
+            </a:endParaRPr>
+          </a:p>
+          <a:p>
+            <a:r>
+              <a:rPr lang="en-US" altLang="ko-KR" sz="2000" dirty="0" smtClean="0">
+                <a:solidFill>
+                  <a:srgbClr val="0070C0"/>
+                </a:solidFill>
+                <a:latin typeface="HY신명조" pitchFamily="18" charset="-127"/>
+                <a:ea typeface="HY신명조" pitchFamily="18" charset="-127"/>
+              </a:rPr>
               <a:t>7. </a:t>
             </a:r>
             <a:r>
-              <a:rPr lang="ko-KR" altLang="en-US" sz="2000" dirty="0" smtClean="0"/>
+              <a:rPr lang="ko-KR" altLang="en-US" sz="2000" dirty="0" smtClean="0">
+                <a:solidFill>
+                  <a:srgbClr val="0070C0"/>
+                </a:solidFill>
+                <a:latin typeface="HY신명조" pitchFamily="18" charset="-127"/>
+                <a:ea typeface="HY신명조" pitchFamily="18" charset="-127"/>
+              </a:rPr>
               <a:t>캐릭터가 </a:t>
             </a:r>
             <a:r>
-              <a:rPr lang="ko-KR" altLang="en-US" sz="2000" dirty="0" err="1" smtClean="0"/>
+              <a:rPr lang="ko-KR" altLang="en-US" sz="2000" dirty="0" err="1" smtClean="0">
+                <a:solidFill>
+                  <a:srgbClr val="0070C0"/>
+                </a:solidFill>
+                <a:latin typeface="HY신명조" pitchFamily="18" charset="-127"/>
+                <a:ea typeface="HY신명조" pitchFamily="18" charset="-127"/>
+              </a:rPr>
               <a:t>움직일때</a:t>
             </a:r>
             <a:r>
-              <a:rPr lang="ko-KR" altLang="en-US" sz="2000" dirty="0"/>
+              <a:rPr lang="ko-KR" altLang="en-US" sz="2000" dirty="0">
+                <a:solidFill>
+                  <a:srgbClr val="0070C0"/>
+                </a:solidFill>
+                <a:latin typeface="HY신명조" pitchFamily="18" charset="-127"/>
+                <a:ea typeface="HY신명조" pitchFamily="18" charset="-127"/>
+              </a:rPr>
               <a:t> </a:t>
             </a:r>
             <a:r>
-              <a:rPr lang="en-US" altLang="ko-KR" sz="2000" dirty="0" smtClean="0"/>
+              <a:rPr lang="en-US" altLang="ko-KR" sz="2000" dirty="0" smtClean="0">
+                <a:solidFill>
+                  <a:srgbClr val="0070C0"/>
+                </a:solidFill>
+                <a:latin typeface="HY신명조" pitchFamily="18" charset="-127"/>
+                <a:ea typeface="HY신명조" pitchFamily="18" charset="-127"/>
+              </a:rPr>
               <a:t>or </a:t>
             </a:r>
             <a:r>
-              <a:rPr lang="ko-KR" altLang="en-US" sz="2000" dirty="0" smtClean="0"/>
+              <a:rPr lang="ko-KR" altLang="en-US" sz="2000" dirty="0" smtClean="0">
+                <a:solidFill>
+                  <a:srgbClr val="0070C0"/>
+                </a:solidFill>
+                <a:latin typeface="HY신명조" pitchFamily="18" charset="-127"/>
+                <a:ea typeface="HY신명조" pitchFamily="18" charset="-127"/>
+              </a:rPr>
               <a:t>별이 </a:t>
             </a:r>
             <a:r>
-              <a:rPr lang="ko-KR" altLang="en-US" sz="2000" dirty="0" err="1" smtClean="0"/>
+              <a:rPr lang="ko-KR" altLang="en-US" sz="2000" dirty="0" err="1" smtClean="0">
+                <a:solidFill>
+                  <a:srgbClr val="0070C0"/>
+                </a:solidFill>
+                <a:latin typeface="HY신명조" pitchFamily="18" charset="-127"/>
+                <a:ea typeface="HY신명조" pitchFamily="18" charset="-127"/>
+              </a:rPr>
               <a:t>생성될때</a:t>
             </a:r>
             <a:r>
-              <a:rPr lang="ko-KR" altLang="en-US" sz="2000" dirty="0" smtClean="0"/>
+              <a:rPr lang="ko-KR" altLang="en-US" sz="2000" dirty="0" smtClean="0">
+                <a:solidFill>
+                  <a:srgbClr val="0070C0"/>
+                </a:solidFill>
+                <a:latin typeface="HY신명조" pitchFamily="18" charset="-127"/>
+                <a:ea typeface="HY신명조" pitchFamily="18" charset="-127"/>
+              </a:rPr>
               <a:t> </a:t>
             </a:r>
             <a:r>
-              <a:rPr lang="ko-KR" altLang="en-US" sz="2000" dirty="0" err="1" smtClean="0"/>
+              <a:rPr lang="ko-KR" altLang="en-US" sz="2000" dirty="0" err="1" smtClean="0">
+                <a:solidFill>
+                  <a:srgbClr val="0070C0"/>
+                </a:solidFill>
+                <a:latin typeface="HY신명조" pitchFamily="18" charset="-127"/>
+                <a:ea typeface="HY신명조" pitchFamily="18" charset="-127"/>
+              </a:rPr>
               <a:t>맵을</a:t>
             </a:r>
             <a:r>
-              <a:rPr lang="ko-KR" altLang="en-US" sz="2000" dirty="0" smtClean="0"/>
+              <a:rPr lang="ko-KR" altLang="en-US" sz="2000" dirty="0" smtClean="0">
+                <a:solidFill>
+                  <a:srgbClr val="0070C0"/>
+                </a:solidFill>
+                <a:latin typeface="HY신명조" pitchFamily="18" charset="-127"/>
+                <a:ea typeface="HY신명조" pitchFamily="18" charset="-127"/>
+              </a:rPr>
               <a:t> 생성하도록 한다</a:t>
             </a:r>
-            <a:endParaRPr lang="en-US" altLang="ko-KR" sz="2000" dirty="0"/>
-          </a:p>
-          <a:p>
-            <a:r>
-              <a:rPr lang="en-US" altLang="ko-KR" sz="2000" dirty="0" smtClean="0"/>
+            <a:endParaRPr lang="en-US" altLang="ko-KR" sz="2000" dirty="0">
+              <a:solidFill>
+                <a:srgbClr val="0070C0"/>
+              </a:solidFill>
+              <a:latin typeface="HY신명조" pitchFamily="18" charset="-127"/>
+              <a:ea typeface="HY신명조" pitchFamily="18" charset="-127"/>
+            </a:endParaRPr>
+          </a:p>
+          <a:p>
+            <a:r>
+              <a:rPr lang="en-US" altLang="ko-KR" sz="2000" b="1" dirty="0" smtClean="0">
+                <a:solidFill>
+                  <a:srgbClr val="00B050"/>
+                </a:solidFill>
+                <a:latin typeface="HY신명조" pitchFamily="18" charset="-127"/>
+                <a:ea typeface="HY신명조" pitchFamily="18" charset="-127"/>
+              </a:rPr>
               <a:t>8. </a:t>
             </a:r>
             <a:r>
-              <a:rPr lang="ko-KR" altLang="en-US" sz="2000" dirty="0" smtClean="0"/>
+              <a:rPr lang="ko-KR" altLang="en-US" sz="2000" b="1" dirty="0" smtClean="0">
+                <a:solidFill>
+                  <a:srgbClr val="00B050"/>
+                </a:solidFill>
+                <a:latin typeface="HY신명조" pitchFamily="18" charset="-127"/>
+                <a:ea typeface="HY신명조" pitchFamily="18" charset="-127"/>
+              </a:rPr>
               <a:t>난이도를 별이 떨어지는 속도와 생성되는 속도에 변화를 주어 </a:t>
             </a:r>
             <a:r>
-              <a:rPr lang="ko-KR" altLang="en-US" sz="2000" dirty="0" err="1" smtClean="0"/>
+              <a:rPr lang="ko-KR" altLang="en-US" sz="2000" b="1" dirty="0" err="1" smtClean="0">
+                <a:solidFill>
+                  <a:srgbClr val="00B050"/>
+                </a:solidFill>
+                <a:latin typeface="HY신명조" pitchFamily="18" charset="-127"/>
+                <a:ea typeface="HY신명조" pitchFamily="18" charset="-127"/>
+              </a:rPr>
               <a:t>만들도록한다</a:t>
             </a:r>
-            <a:endParaRPr lang="en-US" altLang="ko-KR" sz="2000" dirty="0"/>
-          </a:p>
-          <a:p>
-            <a:r>
-              <a:rPr lang="en-US" altLang="ko-KR" sz="2000" dirty="0" smtClean="0"/>
+            <a:endParaRPr lang="en-US" altLang="ko-KR" sz="2000" b="1" dirty="0">
+              <a:solidFill>
+                <a:srgbClr val="00B050"/>
+              </a:solidFill>
+              <a:latin typeface="HY신명조" pitchFamily="18" charset="-127"/>
+              <a:ea typeface="HY신명조" pitchFamily="18" charset="-127"/>
+            </a:endParaRPr>
+          </a:p>
+          <a:p>
+            <a:r>
+              <a:rPr lang="en-US" altLang="ko-KR" sz="2000" b="1" dirty="0" smtClean="0">
+                <a:solidFill>
+                  <a:srgbClr val="00B050"/>
+                </a:solidFill>
+                <a:latin typeface="HY신명조" pitchFamily="18" charset="-127"/>
+                <a:ea typeface="HY신명조" pitchFamily="18" charset="-127"/>
+              </a:rPr>
               <a:t>9.</a:t>
             </a:r>
             <a:r>
-              <a:rPr lang="ko-KR" altLang="en-US" sz="2000" dirty="0" smtClean="0"/>
+              <a:rPr lang="ko-KR" altLang="en-US" sz="2000" b="1" dirty="0" smtClean="0">
+                <a:solidFill>
+                  <a:srgbClr val="00B050"/>
+                </a:solidFill>
+                <a:latin typeface="HY신명조" pitchFamily="18" charset="-127"/>
+                <a:ea typeface="HY신명조" pitchFamily="18" charset="-127"/>
+              </a:rPr>
               <a:t>별이 </a:t>
             </a:r>
             <a:r>
-              <a:rPr lang="ko-KR" altLang="en-US" sz="2000" dirty="0" err="1" smtClean="0"/>
+              <a:rPr lang="ko-KR" altLang="en-US" sz="2000" b="1" dirty="0" err="1" smtClean="0">
+                <a:solidFill>
+                  <a:srgbClr val="00B050"/>
+                </a:solidFill>
+                <a:latin typeface="HY신명조" pitchFamily="18" charset="-127"/>
+                <a:ea typeface="HY신명조" pitchFamily="18" charset="-127"/>
+              </a:rPr>
               <a:t>맵을</a:t>
             </a:r>
             <a:r>
-              <a:rPr lang="ko-KR" altLang="en-US" sz="2000" dirty="0" smtClean="0"/>
+              <a:rPr lang="ko-KR" altLang="en-US" sz="2000" b="1" dirty="0" smtClean="0">
+                <a:solidFill>
+                  <a:srgbClr val="00B050"/>
+                </a:solidFill>
+                <a:latin typeface="HY신명조" pitchFamily="18" charset="-127"/>
+                <a:ea typeface="HY신명조" pitchFamily="18" charset="-127"/>
+              </a:rPr>
               <a:t> </a:t>
             </a:r>
             <a:r>
-              <a:rPr lang="ko-KR" altLang="en-US" sz="2000" dirty="0" err="1" smtClean="0"/>
+              <a:rPr lang="ko-KR" altLang="en-US" sz="2000" b="1" dirty="0" err="1" smtClean="0">
+                <a:solidFill>
+                  <a:srgbClr val="00B050"/>
+                </a:solidFill>
+                <a:latin typeface="HY신명조" pitchFamily="18" charset="-127"/>
+                <a:ea typeface="HY신명조" pitchFamily="18" charset="-127"/>
+              </a:rPr>
               <a:t>벗어날때</a:t>
             </a:r>
             <a:r>
-              <a:rPr lang="ko-KR" altLang="en-US" sz="2000" dirty="0" smtClean="0"/>
+              <a:rPr lang="ko-KR" altLang="en-US" sz="2000" b="1" dirty="0" smtClean="0">
+                <a:solidFill>
+                  <a:srgbClr val="00B050"/>
+                </a:solidFill>
+                <a:latin typeface="HY신명조" pitchFamily="18" charset="-127"/>
+                <a:ea typeface="HY신명조" pitchFamily="18" charset="-127"/>
+              </a:rPr>
               <a:t> 별의 개수만큼 점수를 증가시킨다</a:t>
             </a:r>
-            <a:endParaRPr lang="en-US" altLang="ko-KR" sz="2000" dirty="0" smtClean="0"/>
-          </a:p>
-          <a:p>
-            <a:r>
-              <a:rPr lang="en-US" altLang="ko-KR" sz="2000" dirty="0" smtClean="0"/>
+            <a:endParaRPr lang="en-US" altLang="ko-KR" sz="2000" b="1" dirty="0" smtClean="0">
+              <a:solidFill>
+                <a:srgbClr val="00B050"/>
+              </a:solidFill>
+              <a:latin typeface="HY신명조" pitchFamily="18" charset="-127"/>
+              <a:ea typeface="HY신명조" pitchFamily="18" charset="-127"/>
+            </a:endParaRPr>
+          </a:p>
+          <a:p>
+            <a:r>
+              <a:rPr lang="en-US" altLang="ko-KR" sz="2000" b="1" dirty="0" smtClean="0">
+                <a:solidFill>
+                  <a:srgbClr val="00B050"/>
+                </a:solidFill>
+                <a:latin typeface="HY신명조" pitchFamily="18" charset="-127"/>
+                <a:ea typeface="HY신명조" pitchFamily="18" charset="-127"/>
+              </a:rPr>
               <a:t>10.</a:t>
             </a:r>
             <a:r>
-              <a:rPr lang="ko-KR" altLang="en-US" sz="2000" dirty="0" smtClean="0"/>
+              <a:rPr lang="ko-KR" altLang="en-US" sz="2000" b="1" dirty="0" smtClean="0">
+                <a:solidFill>
+                  <a:srgbClr val="00B050"/>
+                </a:solidFill>
+                <a:latin typeface="HY신명조" pitchFamily="18" charset="-127"/>
+                <a:ea typeface="HY신명조" pitchFamily="18" charset="-127"/>
+              </a:rPr>
               <a:t>캐릭터를 좌우로 만 움직일 수 있도록 하되 좌우에 </a:t>
             </a:r>
             <a:r>
-              <a:rPr lang="ko-KR" altLang="en-US" sz="2000" dirty="0" err="1" smtClean="0"/>
+              <a:rPr lang="ko-KR" altLang="en-US" sz="2000" b="1" dirty="0" err="1" smtClean="0">
+                <a:solidFill>
+                  <a:srgbClr val="00B050"/>
+                </a:solidFill>
+                <a:latin typeface="HY신명조" pitchFamily="18" charset="-127"/>
+                <a:ea typeface="HY신명조" pitchFamily="18" charset="-127"/>
+              </a:rPr>
               <a:t>별이있어도</a:t>
             </a:r>
             <a:r>
-              <a:rPr lang="ko-KR" altLang="en-US" sz="2000" dirty="0" smtClean="0"/>
+              <a:rPr lang="ko-KR" altLang="en-US" sz="2000" b="1" dirty="0" smtClean="0">
+                <a:solidFill>
+                  <a:srgbClr val="00B050"/>
+                </a:solidFill>
+                <a:latin typeface="HY신명조" pitchFamily="18" charset="-127"/>
+                <a:ea typeface="HY신명조" pitchFamily="18" charset="-127"/>
+              </a:rPr>
               <a:t> 움직일 수 있도록 </a:t>
             </a:r>
             <a:r>
-              <a:rPr lang="ko-KR" altLang="en-US" sz="2000" dirty="0" err="1" smtClean="0"/>
+              <a:rPr lang="ko-KR" altLang="en-US" sz="2000" b="1" dirty="0" err="1" smtClean="0">
+                <a:solidFill>
+                  <a:srgbClr val="00B050"/>
+                </a:solidFill>
+                <a:latin typeface="HY신명조" pitchFamily="18" charset="-127"/>
+                <a:ea typeface="HY신명조" pitchFamily="18" charset="-127"/>
+              </a:rPr>
               <a:t>해야함</a:t>
             </a:r>
             <a:r>
-              <a:rPr lang="en-US" altLang="ko-KR" sz="2000" dirty="0" smtClean="0"/>
+              <a:rPr lang="en-US" altLang="ko-KR" sz="2000" b="1" dirty="0" smtClean="0">
+                <a:solidFill>
+                  <a:srgbClr val="00B050"/>
+                </a:solidFill>
+                <a:latin typeface="HY신명조" pitchFamily="18" charset="-127"/>
+                <a:ea typeface="HY신명조" pitchFamily="18" charset="-127"/>
+              </a:rPr>
               <a:t>(</a:t>
             </a:r>
             <a:r>
-              <a:rPr lang="ko-KR" altLang="en-US" sz="2000" dirty="0" smtClean="0"/>
+              <a:rPr lang="ko-KR" altLang="en-US" sz="2000" b="1" dirty="0" smtClean="0">
+                <a:solidFill>
+                  <a:srgbClr val="00B050"/>
+                </a:solidFill>
+                <a:latin typeface="HY신명조" pitchFamily="18" charset="-127"/>
+                <a:ea typeface="HY신명조" pitchFamily="18" charset="-127"/>
+              </a:rPr>
               <a:t>별은 사라지고 캐릭터가 위치하도록</a:t>
             </a:r>
             <a:r>
-              <a:rPr lang="en-US" altLang="ko-KR" sz="2000" dirty="0" smtClean="0"/>
+              <a:rPr lang="en-US" altLang="ko-KR" sz="2000" b="1" dirty="0" smtClean="0">
+                <a:solidFill>
+                  <a:srgbClr val="00B050"/>
+                </a:solidFill>
+                <a:latin typeface="HY신명조" pitchFamily="18" charset="-127"/>
+                <a:ea typeface="HY신명조" pitchFamily="18" charset="-127"/>
+              </a:rPr>
               <a:t>)</a:t>
             </a:r>
           </a:p>
           <a:p>
             <a:r>
-              <a:rPr lang="en-US" altLang="ko-KR" sz="2000" dirty="0" smtClean="0"/>
+              <a:rPr lang="en-US" altLang="ko-KR" sz="2000" b="1" dirty="0" smtClean="0">
+                <a:solidFill>
+                  <a:srgbClr val="00B050"/>
+                </a:solidFill>
+                <a:latin typeface="HY신명조" pitchFamily="18" charset="-127"/>
+                <a:ea typeface="HY신명조" pitchFamily="18" charset="-127"/>
+              </a:rPr>
               <a:t>11.</a:t>
             </a:r>
             <a:r>
-              <a:rPr lang="ko-KR" altLang="en-US" sz="2000" dirty="0" smtClean="0"/>
+              <a:rPr lang="ko-KR" altLang="en-US" sz="2000" b="1" dirty="0" smtClean="0">
+                <a:solidFill>
+                  <a:srgbClr val="00B050"/>
+                </a:solidFill>
+                <a:latin typeface="HY신명조" pitchFamily="18" charset="-127"/>
+                <a:ea typeface="HY신명조" pitchFamily="18" charset="-127"/>
+              </a:rPr>
               <a:t>타이틀화면</a:t>
             </a:r>
             <a:r>
-              <a:rPr lang="en-US" altLang="ko-KR" sz="2000" dirty="0" smtClean="0"/>
+              <a:rPr lang="en-US" altLang="ko-KR" sz="2000" b="1" dirty="0" smtClean="0">
+                <a:solidFill>
+                  <a:srgbClr val="00B050"/>
+                </a:solidFill>
+                <a:latin typeface="HY신명조" pitchFamily="18" charset="-127"/>
+                <a:ea typeface="HY신명조" pitchFamily="18" charset="-127"/>
+              </a:rPr>
               <a:t>, </a:t>
             </a:r>
             <a:r>
-              <a:rPr lang="ko-KR" altLang="en-US" sz="2000" dirty="0" smtClean="0"/>
+              <a:rPr lang="ko-KR" altLang="en-US" sz="2000" b="1" dirty="0" smtClean="0">
+                <a:solidFill>
+                  <a:srgbClr val="00B050"/>
+                </a:solidFill>
+                <a:latin typeface="HY신명조" pitchFamily="18" charset="-127"/>
+                <a:ea typeface="HY신명조" pitchFamily="18" charset="-127"/>
+              </a:rPr>
               <a:t>난이도 설정화면</a:t>
             </a:r>
             <a:r>
-              <a:rPr lang="en-US" altLang="ko-KR" sz="2000" dirty="0" smtClean="0"/>
+              <a:rPr lang="en-US" altLang="ko-KR" sz="2000" b="1" dirty="0" smtClean="0">
+                <a:solidFill>
+                  <a:srgbClr val="00B050"/>
+                </a:solidFill>
+                <a:latin typeface="HY신명조" pitchFamily="18" charset="-127"/>
+                <a:ea typeface="HY신명조" pitchFamily="18" charset="-127"/>
+              </a:rPr>
               <a:t>, </a:t>
             </a:r>
             <a:r>
-              <a:rPr lang="ko-KR" altLang="en-US" sz="2000" dirty="0" smtClean="0"/>
+              <a:rPr lang="ko-KR" altLang="en-US" sz="2000" b="1" dirty="0" smtClean="0">
+                <a:solidFill>
+                  <a:srgbClr val="00B050"/>
+                </a:solidFill>
+                <a:latin typeface="HY신명조" pitchFamily="18" charset="-127"/>
+                <a:ea typeface="HY신명조" pitchFamily="18" charset="-127"/>
+              </a:rPr>
               <a:t>게임종료를 </a:t>
             </a:r>
             <a:r>
-              <a:rPr lang="ko-KR" altLang="en-US" sz="2000" dirty="0" err="1" smtClean="0"/>
+              <a:rPr lang="ko-KR" altLang="en-US" sz="2000" b="1" dirty="0" err="1" smtClean="0">
+                <a:solidFill>
+                  <a:srgbClr val="00B050"/>
+                </a:solidFill>
+                <a:latin typeface="HY신명조" pitchFamily="18" charset="-127"/>
+                <a:ea typeface="HY신명조" pitchFamily="18" charset="-127"/>
+              </a:rPr>
               <a:t>만들어야함</a:t>
             </a:r>
             <a:r>
-              <a:rPr lang="ko-KR" altLang="en-US" sz="2000" dirty="0" smtClean="0"/>
+              <a:rPr lang="ko-KR" altLang="en-US" sz="2000" b="1" dirty="0" smtClean="0">
+                <a:solidFill>
+                  <a:srgbClr val="00B050"/>
+                </a:solidFill>
+                <a:latin typeface="HY신명조" pitchFamily="18" charset="-127"/>
+                <a:ea typeface="HY신명조" pitchFamily="18" charset="-127"/>
+              </a:rPr>
               <a:t> </a:t>
             </a:r>
             <a:r>
-              <a:rPr lang="en-US" altLang="ko-KR" sz="2000" dirty="0" smtClean="0"/>
+              <a:rPr lang="en-US" altLang="ko-KR" sz="2000" b="1" dirty="0" smtClean="0">
+                <a:solidFill>
+                  <a:srgbClr val="00B050"/>
+                </a:solidFill>
+                <a:latin typeface="HY신명조" pitchFamily="18" charset="-127"/>
+                <a:ea typeface="HY신명조" pitchFamily="18" charset="-127"/>
+              </a:rPr>
               <a:t>O</a:t>
             </a:r>
           </a:p>

--- a/hellow world만들기/별똥별피하기게임/별똥별 피하기 게임.pptx
+++ b/hellow world만들기/별똥별피하기게임/별똥별 피하기 게임.pptx
@@ -196,7 +196,7 @@
           <a:p>
             <a:fld id="{B8B8C299-C340-4BC2-8679-3727175CC7E6}" type="datetimeFigureOut">
               <a:rPr lang="ko-KR" altLang="en-US" smtClean="0"/>
-              <a:t>2023-05-30</a:t>
+              <a:t>2023-06-08</a:t>
             </a:fld>
             <a:endParaRPr lang="ko-KR" altLang="en-US"/>
           </a:p>
@@ -729,7 +729,7 @@
           <a:p>
             <a:fld id="{4E35BBFE-0568-4407-A494-6A3B2B63CC39}" type="datetimeFigureOut">
               <a:rPr lang="ko-KR" altLang="en-US" smtClean="0"/>
-              <a:t>2023-05-30</a:t>
+              <a:t>2023-06-08</a:t>
             </a:fld>
             <a:endParaRPr lang="ko-KR" altLang="en-US"/>
           </a:p>
@@ -899,7 +899,7 @@
           <a:p>
             <a:fld id="{4E35BBFE-0568-4407-A494-6A3B2B63CC39}" type="datetimeFigureOut">
               <a:rPr lang="ko-KR" altLang="en-US" smtClean="0"/>
-              <a:t>2023-05-30</a:t>
+              <a:t>2023-06-08</a:t>
             </a:fld>
             <a:endParaRPr lang="ko-KR" altLang="en-US"/>
           </a:p>
@@ -1079,7 +1079,7 @@
           <a:p>
             <a:fld id="{4E35BBFE-0568-4407-A494-6A3B2B63CC39}" type="datetimeFigureOut">
               <a:rPr lang="ko-KR" altLang="en-US" smtClean="0"/>
-              <a:t>2023-05-30</a:t>
+              <a:t>2023-06-08</a:t>
             </a:fld>
             <a:endParaRPr lang="ko-KR" altLang="en-US"/>
           </a:p>
@@ -1249,7 +1249,7 @@
           <a:p>
             <a:fld id="{4E35BBFE-0568-4407-A494-6A3B2B63CC39}" type="datetimeFigureOut">
               <a:rPr lang="ko-KR" altLang="en-US" smtClean="0"/>
-              <a:t>2023-05-30</a:t>
+              <a:t>2023-06-08</a:t>
             </a:fld>
             <a:endParaRPr lang="ko-KR" altLang="en-US"/>
           </a:p>
@@ -1495,7 +1495,7 @@
           <a:p>
             <a:fld id="{4E35BBFE-0568-4407-A494-6A3B2B63CC39}" type="datetimeFigureOut">
               <a:rPr lang="ko-KR" altLang="en-US" smtClean="0"/>
-              <a:t>2023-05-30</a:t>
+              <a:t>2023-06-08</a:t>
             </a:fld>
             <a:endParaRPr lang="ko-KR" altLang="en-US"/>
           </a:p>
@@ -1783,7 +1783,7 @@
           <a:p>
             <a:fld id="{4E35BBFE-0568-4407-A494-6A3B2B63CC39}" type="datetimeFigureOut">
               <a:rPr lang="ko-KR" altLang="en-US" smtClean="0"/>
-              <a:t>2023-05-30</a:t>
+              <a:t>2023-06-08</a:t>
             </a:fld>
             <a:endParaRPr lang="ko-KR" altLang="en-US"/>
           </a:p>
@@ -2205,7 +2205,7 @@
           <a:p>
             <a:fld id="{4E35BBFE-0568-4407-A494-6A3B2B63CC39}" type="datetimeFigureOut">
               <a:rPr lang="ko-KR" altLang="en-US" smtClean="0"/>
-              <a:t>2023-05-30</a:t>
+              <a:t>2023-06-08</a:t>
             </a:fld>
             <a:endParaRPr lang="ko-KR" altLang="en-US"/>
           </a:p>
@@ -2323,7 +2323,7 @@
           <a:p>
             <a:fld id="{4E35BBFE-0568-4407-A494-6A3B2B63CC39}" type="datetimeFigureOut">
               <a:rPr lang="ko-KR" altLang="en-US" smtClean="0"/>
-              <a:t>2023-05-30</a:t>
+              <a:t>2023-06-08</a:t>
             </a:fld>
             <a:endParaRPr lang="ko-KR" altLang="en-US"/>
           </a:p>
@@ -2418,7 +2418,7 @@
           <a:p>
             <a:fld id="{4E35BBFE-0568-4407-A494-6A3B2B63CC39}" type="datetimeFigureOut">
               <a:rPr lang="ko-KR" altLang="en-US" smtClean="0"/>
-              <a:t>2023-05-30</a:t>
+              <a:t>2023-06-08</a:t>
             </a:fld>
             <a:endParaRPr lang="ko-KR" altLang="en-US"/>
           </a:p>
@@ -2695,7 +2695,7 @@
           <a:p>
             <a:fld id="{4E35BBFE-0568-4407-A494-6A3B2B63CC39}" type="datetimeFigureOut">
               <a:rPr lang="ko-KR" altLang="en-US" smtClean="0"/>
-              <a:t>2023-05-30</a:t>
+              <a:t>2023-06-08</a:t>
             </a:fld>
             <a:endParaRPr lang="ko-KR" altLang="en-US"/>
           </a:p>
@@ -2948,7 +2948,7 @@
           <a:p>
             <a:fld id="{4E35BBFE-0568-4407-A494-6A3B2B63CC39}" type="datetimeFigureOut">
               <a:rPr lang="ko-KR" altLang="en-US" smtClean="0"/>
-              <a:t>2023-05-30</a:t>
+              <a:t>2023-06-08</a:t>
             </a:fld>
             <a:endParaRPr lang="ko-KR" altLang="en-US"/>
           </a:p>
@@ -3161,7 +3161,7 @@
           <a:p>
             <a:fld id="{4E35BBFE-0568-4407-A494-6A3B2B63CC39}" type="datetimeFigureOut">
               <a:rPr lang="ko-KR" altLang="en-US" smtClean="0"/>
-              <a:t>2023-05-30</a:t>
+              <a:t>2023-06-08</a:t>
             </a:fld>
             <a:endParaRPr lang="ko-KR" altLang="en-US"/>
           </a:p>
@@ -5204,7 +5204,14 @@
                 <a:latin typeface="HY신명조" pitchFamily="18" charset="-127"/>
                 <a:ea typeface="HY신명조" pitchFamily="18" charset="-127"/>
               </a:rPr>
-              <a:t> 있게 한다</a:t>
+              <a:t> 있게 </a:t>
+            </a:r>
+            <a:r>
+              <a:rPr lang="ko-KR" altLang="en-US" sz="1600" b="1" dirty="0" smtClean="0">
+                <a:latin typeface="HY신명조" pitchFamily="18" charset="-127"/>
+                <a:ea typeface="HY신명조" pitchFamily="18" charset="-127"/>
+              </a:rPr>
+              <a:t>한다</a:t>
             </a:r>
             <a:endParaRPr lang="en-US" altLang="ko-KR" sz="1600" b="1" dirty="0" smtClean="0">
               <a:latin typeface="HY신명조" pitchFamily="18" charset="-127"/>
@@ -5220,18 +5227,60 @@
               <a:t>11.</a:t>
             </a:r>
             <a:r>
+              <a:rPr lang="ko-KR" altLang="en-US" sz="1600" b="1" dirty="0">
+                <a:latin typeface="HY신명조" pitchFamily="18" charset="-127"/>
+                <a:ea typeface="HY신명조" pitchFamily="18" charset="-127"/>
+              </a:rPr>
+              <a:t>별이 바닥에서 </a:t>
+            </a:r>
+            <a:r>
+              <a:rPr lang="ko-KR" altLang="en-US" sz="1600" b="1" dirty="0" err="1">
+                <a:latin typeface="HY신명조" pitchFamily="18" charset="-127"/>
+                <a:ea typeface="HY신명조" pitchFamily="18" charset="-127"/>
+              </a:rPr>
+              <a:t>없어질때</a:t>
+            </a:r>
+            <a:r>
+              <a:rPr lang="ko-KR" altLang="en-US" sz="1600" b="1" dirty="0">
+                <a:latin typeface="HY신명조" pitchFamily="18" charset="-127"/>
+                <a:ea typeface="HY신명조" pitchFamily="18" charset="-127"/>
+              </a:rPr>
+              <a:t> 스코어에 별의 </a:t>
+            </a:r>
+            <a:r>
+              <a:rPr lang="ko-KR" altLang="en-US" sz="1600" b="1" dirty="0" err="1">
+                <a:latin typeface="HY신명조" pitchFamily="18" charset="-127"/>
+                <a:ea typeface="HY신명조" pitchFamily="18" charset="-127"/>
+              </a:rPr>
+              <a:t>갯수당</a:t>
+            </a:r>
+            <a:r>
+              <a:rPr lang="ko-KR" altLang="en-US" sz="1600" b="1" dirty="0">
+                <a:latin typeface="HY신명조" pitchFamily="18" charset="-127"/>
+                <a:ea typeface="HY신명조" pitchFamily="18" charset="-127"/>
+              </a:rPr>
+              <a:t> </a:t>
+            </a:r>
+            <a:r>
+              <a:rPr lang="en-US" altLang="ko-KR" sz="1600" b="1" dirty="0">
+                <a:latin typeface="HY신명조" pitchFamily="18" charset="-127"/>
+                <a:ea typeface="HY신명조" pitchFamily="18" charset="-127"/>
+              </a:rPr>
+              <a:t>1</a:t>
+            </a:r>
+            <a:r>
+              <a:rPr lang="ko-KR" altLang="en-US" sz="1600" b="1" dirty="0">
+                <a:latin typeface="HY신명조" pitchFamily="18" charset="-127"/>
+                <a:ea typeface="HY신명조" pitchFamily="18" charset="-127"/>
+              </a:rPr>
+              <a:t>점씩 올라가도록 </a:t>
+            </a:r>
+            <a:r>
               <a:rPr lang="ko-KR" altLang="en-US" sz="1600" b="1" dirty="0" smtClean="0">
                 <a:latin typeface="HY신명조" pitchFamily="18" charset="-127"/>
                 <a:ea typeface="HY신명조" pitchFamily="18" charset="-127"/>
               </a:rPr>
-              <a:t>별이 캐릭터 머리에 떨어지면 게임이 끝이 </a:t>
-            </a:r>
-            <a:r>
-              <a:rPr lang="ko-KR" altLang="en-US" sz="1600" b="1" dirty="0" err="1" smtClean="0">
-                <a:latin typeface="HY신명조" pitchFamily="18" charset="-127"/>
-                <a:ea typeface="HY신명조" pitchFamily="18" charset="-127"/>
-              </a:rPr>
-              <a:t>나도록함</a:t>
+              <a:t>함</a:t>
             </a:r>
             <a:endParaRPr lang="en-US" altLang="ko-KR" sz="1600" b="1" dirty="0" smtClean="0">
               <a:latin typeface="HY신명조" pitchFamily="18" charset="-127"/>
@@ -5251,49 +5300,14 @@
                 <a:latin typeface="HY신명조" pitchFamily="18" charset="-127"/>
                 <a:ea typeface="HY신명조" pitchFamily="18" charset="-127"/>
               </a:rPr>
-              <a:t>별이 바닥에서 </a:t>
+              <a:t>별이 캐릭터 머리에 떨어지면 게임이 끝이 </a:t>
             </a:r>
             <a:r>
               <a:rPr lang="ko-KR" altLang="en-US" sz="1600" b="1" dirty="0" err="1" smtClean="0">
                 <a:latin typeface="HY신명조" pitchFamily="18" charset="-127"/>
                 <a:ea typeface="HY신명조" pitchFamily="18" charset="-127"/>
               </a:rPr>
-              <a:t>없어질때</a:t>
-            </a:r>
-            <a:r>
-              <a:rPr lang="ko-KR" altLang="en-US" sz="1600" b="1" dirty="0" smtClean="0">
-                <a:latin typeface="HY신명조" pitchFamily="18" charset="-127"/>
-                <a:ea typeface="HY신명조" pitchFamily="18" charset="-127"/>
-              </a:rPr>
-              <a:t> 스코어에 별의 </a:t>
-            </a:r>
-            <a:r>
-              <a:rPr lang="ko-KR" altLang="en-US" sz="1600" b="1" dirty="0" err="1" smtClean="0">
-                <a:latin typeface="HY신명조" pitchFamily="18" charset="-127"/>
-                <a:ea typeface="HY신명조" pitchFamily="18" charset="-127"/>
-              </a:rPr>
-              <a:t>갯수당</a:t>
-            </a:r>
-            <a:r>
-              <a:rPr lang="ko-KR" altLang="en-US" sz="1600" b="1" dirty="0" smtClean="0">
-                <a:latin typeface="HY신명조" pitchFamily="18" charset="-127"/>
-                <a:ea typeface="HY신명조" pitchFamily="18" charset="-127"/>
-              </a:rPr>
-              <a:t> </a:t>
-            </a:r>
-            <a:r>
-              <a:rPr lang="en-US" altLang="ko-KR" sz="1600" b="1" dirty="0" smtClean="0">
-                <a:latin typeface="HY신명조" pitchFamily="18" charset="-127"/>
-                <a:ea typeface="HY신명조" pitchFamily="18" charset="-127"/>
-              </a:rPr>
-              <a:t>1</a:t>
-            </a:r>
-            <a:r>
-              <a:rPr lang="ko-KR" altLang="en-US" sz="1600" b="1" dirty="0" smtClean="0">
-                <a:latin typeface="HY신명조" pitchFamily="18" charset="-127"/>
-                <a:ea typeface="HY신명조" pitchFamily="18" charset="-127"/>
-              </a:rPr>
-              <a:t>점씩 올라가도록 함</a:t>
+              <a:t>나도록함</a:t>
             </a:r>
             <a:endParaRPr lang="en-US" altLang="ko-KR" sz="1600" b="1" dirty="0" smtClean="0">
               <a:latin typeface="HY신명조" pitchFamily="18" charset="-127"/>
@@ -5306,7 +5320,14 @@
                 <a:latin typeface="HY신명조" pitchFamily="18" charset="-127"/>
                 <a:ea typeface="HY신명조" pitchFamily="18" charset="-127"/>
               </a:rPr>
-              <a:t>13.</a:t>
+              <a:t>13</a:t>
+            </a:r>
+            <a:r>
+              <a:rPr lang="en-US" altLang="ko-KR" sz="1600" b="1" dirty="0" smtClean="0">
+                <a:latin typeface="HY신명조" pitchFamily="18" charset="-127"/>
+                <a:ea typeface="HY신명조" pitchFamily="18" charset="-127"/>
+              </a:rPr>
+              <a:t>.</a:t>
             </a:r>
             <a:r>
               <a:rPr lang="ko-KR" altLang="en-US" sz="1600" b="1" dirty="0" smtClean="0">

--- a/hellow world만들기/별똥별피하기게임/별똥별 피하기 게임.pptx
+++ b/hellow world만들기/별똥별피하기게임/별똥별 피하기 게임.pptx
@@ -5204,14 +5204,7 @@
                 <a:latin typeface="HY신명조" pitchFamily="18" charset="-127"/>
                 <a:ea typeface="HY신명조" pitchFamily="18" charset="-127"/>
               </a:rPr>
-              <a:t> 있게 </a:t>
-            </a:r>
-            <a:r>
-              <a:rPr lang="ko-KR" altLang="en-US" sz="1600" b="1" dirty="0" smtClean="0">
-                <a:latin typeface="HY신명조" pitchFamily="18" charset="-127"/>
-                <a:ea typeface="HY신명조" pitchFamily="18" charset="-127"/>
-              </a:rPr>
-              <a:t>한다</a:t>
+              <a:t> 있게 한다</a:t>
             </a:r>
             <a:endParaRPr lang="en-US" altLang="ko-KR" sz="1600" b="1" dirty="0" smtClean="0">
               <a:latin typeface="HY신명조" pitchFamily="18" charset="-127"/>
@@ -5320,14 +5313,7 @@
                 <a:latin typeface="HY신명조" pitchFamily="18" charset="-127"/>
                 <a:ea typeface="HY신명조" pitchFamily="18" charset="-127"/>
               </a:rPr>
-              <a:t>13</a:t>
-            </a:r>
-            <a:r>
-              <a:rPr lang="en-US" altLang="ko-KR" sz="1600" b="1" dirty="0" smtClean="0">
-                <a:latin typeface="HY신명조" pitchFamily="18" charset="-127"/>
-                <a:ea typeface="HY신명조" pitchFamily="18" charset="-127"/>
-              </a:rPr>
-              <a:t>.</a:t>
+              <a:t>13.</a:t>
             </a:r>
             <a:r>
               <a:rPr lang="ko-KR" altLang="en-US" sz="1600" b="1" dirty="0" smtClean="0">
